--- a/Week 12/Retrofit.pptx
+++ b/Week 12/Retrofit.pptx
@@ -6,7 +6,7 @@
     <p:sldMasterId id="2147483698" r:id="rId5"/>
   </p:sldMasterIdLst>
   <p:notesMasterIdLst>
-    <p:notesMasterId r:id="rId14"/>
+    <p:notesMasterId r:id="rId21"/>
   </p:notesMasterIdLst>
   <p:sldIdLst>
     <p:sldId id="256" r:id="rId6"/>
@@ -14,19 +14,33 @@
     <p:sldId id="258" r:id="rId8"/>
     <p:sldId id="259" r:id="rId9"/>
     <p:sldId id="260" r:id="rId10"/>
-    <p:sldId id="261" r:id="rId11"/>
-    <p:sldId id="303" r:id="rId12"/>
-    <p:sldId id="302" r:id="rId13"/>
+    <p:sldId id="306" r:id="rId11"/>
+    <p:sldId id="307" r:id="rId12"/>
+    <p:sldId id="308" r:id="rId13"/>
+    <p:sldId id="305" r:id="rId14"/>
+    <p:sldId id="261" r:id="rId15"/>
+    <p:sldId id="303" r:id="rId16"/>
+    <p:sldId id="309" r:id="rId17"/>
+    <p:sldId id="310" r:id="rId18"/>
+    <p:sldId id="304" r:id="rId19"/>
+    <p:sldId id="302" r:id="rId20"/>
   </p:sldIdLst>
   <p:sldSz cx="9144000" cy="5143500" type="screen16x9"/>
   <p:notesSz cx="6858000" cy="9144000"/>
   <p:embeddedFontLst>
     <p:embeddedFont>
+      <p:font typeface="Consolas" panose="020B0609020204030204" pitchFamily="49" charset="0"/>
+      <p:regular r:id="rId22"/>
+      <p:bold r:id="rId23"/>
+      <p:italic r:id="rId24"/>
+      <p:boldItalic r:id="rId25"/>
+    </p:embeddedFont>
+    <p:embeddedFont>
       <p:font typeface="Roboto" panose="02000000000000000000" pitchFamily="2" charset="0"/>
-      <p:regular r:id="rId15"/>
-      <p:bold r:id="rId16"/>
-      <p:italic r:id="rId17"/>
-      <p:boldItalic r:id="rId18"/>
+      <p:regular r:id="rId26"/>
+      <p:bold r:id="rId27"/>
+      <p:italic r:id="rId28"/>
+      <p:boldItalic r:id="rId29"/>
     </p:embeddedFont>
   </p:embeddedFontLst>
   <p:defaultTextStyle>
@@ -886,6 +900,650 @@
 </p:notes>
 </file>
 
+<file path=ppt/notesSlides/notesSlide10.xml><?xml version="1.0" encoding="utf-8"?>
+<p:notes xmlns:a="http://schemas.openxmlformats.org/drawingml/2006/main" xmlns:r="http://schemas.openxmlformats.org/officeDocument/2006/relationships" xmlns:p="http://schemas.openxmlformats.org/presentationml/2006/main" showMasterSp="0" showMasterPhAnim="0">
+  <p:cSld>
+    <p:spTree>
+      <p:nvGrpSpPr>
+        <p:cNvPr id="1" name="Shape 302"/>
+        <p:cNvGrpSpPr/>
+        <p:nvPr/>
+      </p:nvGrpSpPr>
+      <p:grpSpPr>
+        <a:xfrm>
+          <a:off x="0" y="0"/>
+          <a:ext cx="0" cy="0"/>
+          <a:chOff x="0" y="0"/>
+          <a:chExt cx="0" cy="0"/>
+        </a:xfrm>
+      </p:grpSpPr>
+      <p:sp>
+        <p:nvSpPr>
+          <p:cNvPr id="303" name="Google Shape;303;g1804ee73ec_0_153:notes"/>
+          <p:cNvSpPr>
+            <a:spLocks noGrp="1" noRot="1" noChangeAspect="1"/>
+          </p:cNvSpPr>
+          <p:nvPr>
+            <p:ph type="sldImg" idx="2"/>
+          </p:nvPr>
+        </p:nvSpPr>
+        <p:spPr>
+          <a:xfrm>
+            <a:off x="381000" y="685800"/>
+            <a:ext cx="6096000" cy="3429000"/>
+          </a:xfrm>
+          <a:custGeom>
+            <a:avLst/>
+            <a:gdLst/>
+            <a:ahLst/>
+            <a:cxnLst/>
+            <a:rect l="l" t="t" r="r" b="b"/>
+            <a:pathLst>
+              <a:path w="120000" h="120000" extrusionOk="0">
+                <a:moveTo>
+                  <a:pt x="0" y="0"/>
+                </a:moveTo>
+                <a:lnTo>
+                  <a:pt x="120000" y="0"/>
+                </a:lnTo>
+                <a:lnTo>
+                  <a:pt x="120000" y="120000"/>
+                </a:lnTo>
+                <a:lnTo>
+                  <a:pt x="0" y="120000"/>
+                </a:lnTo>
+                <a:close/>
+              </a:path>
+            </a:pathLst>
+          </a:custGeom>
+        </p:spPr>
+      </p:sp>
+      <p:sp>
+        <p:nvSpPr>
+          <p:cNvPr id="304" name="Google Shape;304;g1804ee73ec_0_153:notes"/>
+          <p:cNvSpPr txBox="1">
+            <a:spLocks noGrp="1"/>
+          </p:cNvSpPr>
+          <p:nvPr>
+            <p:ph type="body" idx="1"/>
+          </p:nvPr>
+        </p:nvSpPr>
+        <p:spPr>
+          <a:xfrm>
+            <a:off x="685800" y="4343400"/>
+            <a:ext cx="5486400" cy="4114800"/>
+          </a:xfrm>
+          <a:prstGeom prst="rect">
+            <a:avLst/>
+          </a:prstGeom>
+        </p:spPr>
+        <p:txBody>
+          <a:bodyPr spcFirstLastPara="1" wrap="square" lIns="91425" tIns="91425" rIns="91425" bIns="91425" anchor="t" anchorCtr="0">
+            <a:noAutofit/>
+          </a:bodyPr>
+          <a:lstStyle/>
+          <a:p>
+            <a:pPr marL="0" lvl="0" indent="0" algn="l" rtl="0">
+              <a:spcBef>
+                <a:spcPts val="0"/>
+              </a:spcBef>
+              <a:spcAft>
+                <a:spcPts val="0"/>
+              </a:spcAft>
+              <a:buNone/>
+            </a:pPr>
+            <a:endParaRPr/>
+          </a:p>
+        </p:txBody>
+      </p:sp>
+    </p:spTree>
+  </p:cSld>
+  <p:clrMapOvr>
+    <a:masterClrMapping/>
+  </p:clrMapOvr>
+</p:notes>
+</file>
+
+<file path=ppt/notesSlides/notesSlide11.xml><?xml version="1.0" encoding="utf-8"?>
+<p:notes xmlns:a="http://schemas.openxmlformats.org/drawingml/2006/main" xmlns:r="http://schemas.openxmlformats.org/officeDocument/2006/relationships" xmlns:p="http://schemas.openxmlformats.org/presentationml/2006/main" showMasterSp="0" showMasterPhAnim="0">
+  <p:cSld>
+    <p:spTree>
+      <p:nvGrpSpPr>
+        <p:cNvPr id="1" name="Shape 302"/>
+        <p:cNvGrpSpPr/>
+        <p:nvPr/>
+      </p:nvGrpSpPr>
+      <p:grpSpPr>
+        <a:xfrm>
+          <a:off x="0" y="0"/>
+          <a:ext cx="0" cy="0"/>
+          <a:chOff x="0" y="0"/>
+          <a:chExt cx="0" cy="0"/>
+        </a:xfrm>
+      </p:grpSpPr>
+      <p:sp>
+        <p:nvSpPr>
+          <p:cNvPr id="303" name="Google Shape;303;g1804ee73ec_0_153:notes"/>
+          <p:cNvSpPr>
+            <a:spLocks noGrp="1" noRot="1" noChangeAspect="1"/>
+          </p:cNvSpPr>
+          <p:nvPr>
+            <p:ph type="sldImg" idx="2"/>
+          </p:nvPr>
+        </p:nvSpPr>
+        <p:spPr>
+          <a:xfrm>
+            <a:off x="381000" y="685800"/>
+            <a:ext cx="6096000" cy="3429000"/>
+          </a:xfrm>
+          <a:custGeom>
+            <a:avLst/>
+            <a:gdLst/>
+            <a:ahLst/>
+            <a:cxnLst/>
+            <a:rect l="l" t="t" r="r" b="b"/>
+            <a:pathLst>
+              <a:path w="120000" h="120000" extrusionOk="0">
+                <a:moveTo>
+                  <a:pt x="0" y="0"/>
+                </a:moveTo>
+                <a:lnTo>
+                  <a:pt x="120000" y="0"/>
+                </a:lnTo>
+                <a:lnTo>
+                  <a:pt x="120000" y="120000"/>
+                </a:lnTo>
+                <a:lnTo>
+                  <a:pt x="0" y="120000"/>
+                </a:lnTo>
+                <a:close/>
+              </a:path>
+            </a:pathLst>
+          </a:custGeom>
+        </p:spPr>
+      </p:sp>
+      <p:sp>
+        <p:nvSpPr>
+          <p:cNvPr id="304" name="Google Shape;304;g1804ee73ec_0_153:notes"/>
+          <p:cNvSpPr txBox="1">
+            <a:spLocks noGrp="1"/>
+          </p:cNvSpPr>
+          <p:nvPr>
+            <p:ph type="body" idx="1"/>
+          </p:nvPr>
+        </p:nvSpPr>
+        <p:spPr>
+          <a:xfrm>
+            <a:off x="685800" y="4343400"/>
+            <a:ext cx="5486400" cy="4114800"/>
+          </a:xfrm>
+          <a:prstGeom prst="rect">
+            <a:avLst/>
+          </a:prstGeom>
+        </p:spPr>
+        <p:txBody>
+          <a:bodyPr spcFirstLastPara="1" wrap="square" lIns="91425" tIns="91425" rIns="91425" bIns="91425" anchor="t" anchorCtr="0">
+            <a:noAutofit/>
+          </a:bodyPr>
+          <a:lstStyle/>
+          <a:p>
+            <a:pPr marL="0" lvl="0" indent="0" algn="l" rtl="0">
+              <a:spcBef>
+                <a:spcPts val="0"/>
+              </a:spcBef>
+              <a:spcAft>
+                <a:spcPts val="0"/>
+              </a:spcAft>
+              <a:buNone/>
+            </a:pPr>
+            <a:endParaRPr/>
+          </a:p>
+        </p:txBody>
+      </p:sp>
+    </p:spTree>
+    <p:extLst>
+      <p:ext uri="{BB962C8B-B14F-4D97-AF65-F5344CB8AC3E}">
+        <p14:creationId xmlns:p14="http://schemas.microsoft.com/office/powerpoint/2010/main" val="569900193"/>
+      </p:ext>
+    </p:extLst>
+  </p:cSld>
+  <p:clrMapOvr>
+    <a:masterClrMapping/>
+  </p:clrMapOvr>
+</p:notes>
+</file>
+
+<file path=ppt/notesSlides/notesSlide12.xml><?xml version="1.0" encoding="utf-8"?>
+<p:notes xmlns:a="http://schemas.openxmlformats.org/drawingml/2006/main" xmlns:r="http://schemas.openxmlformats.org/officeDocument/2006/relationships" xmlns:p="http://schemas.openxmlformats.org/presentationml/2006/main" showMasterSp="0" showMasterPhAnim="0">
+  <p:cSld>
+    <p:spTree>
+      <p:nvGrpSpPr>
+        <p:cNvPr id="1" name="Shape 295"/>
+        <p:cNvGrpSpPr/>
+        <p:nvPr/>
+      </p:nvGrpSpPr>
+      <p:grpSpPr>
+        <a:xfrm>
+          <a:off x="0" y="0"/>
+          <a:ext cx="0" cy="0"/>
+          <a:chOff x="0" y="0"/>
+          <a:chExt cx="0" cy="0"/>
+        </a:xfrm>
+      </p:grpSpPr>
+      <p:sp>
+        <p:nvSpPr>
+          <p:cNvPr id="296" name="Google Shape;296;g1623af889d_0_27:notes"/>
+          <p:cNvSpPr>
+            <a:spLocks noGrp="1" noRot="1" noChangeAspect="1"/>
+          </p:cNvSpPr>
+          <p:nvPr>
+            <p:ph type="sldImg" idx="2"/>
+          </p:nvPr>
+        </p:nvSpPr>
+        <p:spPr>
+          <a:xfrm>
+            <a:off x="381000" y="685800"/>
+            <a:ext cx="6096000" cy="3429000"/>
+          </a:xfrm>
+          <a:custGeom>
+            <a:avLst/>
+            <a:gdLst/>
+            <a:ahLst/>
+            <a:cxnLst/>
+            <a:rect l="l" t="t" r="r" b="b"/>
+            <a:pathLst>
+              <a:path w="120000" h="120000" extrusionOk="0">
+                <a:moveTo>
+                  <a:pt x="0" y="0"/>
+                </a:moveTo>
+                <a:lnTo>
+                  <a:pt x="120000" y="0"/>
+                </a:lnTo>
+                <a:lnTo>
+                  <a:pt x="120000" y="120000"/>
+                </a:lnTo>
+                <a:lnTo>
+                  <a:pt x="0" y="120000"/>
+                </a:lnTo>
+                <a:close/>
+              </a:path>
+            </a:pathLst>
+          </a:custGeom>
+        </p:spPr>
+      </p:sp>
+      <p:sp>
+        <p:nvSpPr>
+          <p:cNvPr id="297" name="Google Shape;297;g1623af889d_0_27:notes"/>
+          <p:cNvSpPr txBox="1">
+            <a:spLocks noGrp="1"/>
+          </p:cNvSpPr>
+          <p:nvPr>
+            <p:ph type="body" idx="1"/>
+          </p:nvPr>
+        </p:nvSpPr>
+        <p:spPr>
+          <a:xfrm>
+            <a:off x="685800" y="4343400"/>
+            <a:ext cx="5486400" cy="4114800"/>
+          </a:xfrm>
+          <a:prstGeom prst="rect">
+            <a:avLst/>
+          </a:prstGeom>
+        </p:spPr>
+        <p:txBody>
+          <a:bodyPr spcFirstLastPara="1" wrap="square" lIns="91425" tIns="91425" rIns="91425" bIns="91425" anchor="t" anchorCtr="0">
+            <a:noAutofit/>
+          </a:bodyPr>
+          <a:lstStyle/>
+          <a:p>
+            <a:pPr marL="0" lvl="0" indent="0" algn="l" rtl="0">
+              <a:spcBef>
+                <a:spcPts val="0"/>
+              </a:spcBef>
+              <a:spcAft>
+                <a:spcPts val="0"/>
+              </a:spcAft>
+              <a:buNone/>
+            </a:pPr>
+            <a:endParaRPr/>
+          </a:p>
+        </p:txBody>
+      </p:sp>
+    </p:spTree>
+    <p:extLst>
+      <p:ext uri="{BB962C8B-B14F-4D97-AF65-F5344CB8AC3E}">
+        <p14:creationId xmlns:p14="http://schemas.microsoft.com/office/powerpoint/2010/main" val="287996905"/>
+      </p:ext>
+    </p:extLst>
+  </p:cSld>
+  <p:clrMapOvr>
+    <a:masterClrMapping/>
+  </p:clrMapOvr>
+</p:notes>
+</file>
+
+<file path=ppt/notesSlides/notesSlide13.xml><?xml version="1.0" encoding="utf-8"?>
+<p:notes xmlns:a="http://schemas.openxmlformats.org/drawingml/2006/main" xmlns:r="http://schemas.openxmlformats.org/officeDocument/2006/relationships" xmlns:p="http://schemas.openxmlformats.org/presentationml/2006/main" showMasterSp="0" showMasterPhAnim="0">
+  <p:cSld>
+    <p:spTree>
+      <p:nvGrpSpPr>
+        <p:cNvPr id="1" name="Shape 295"/>
+        <p:cNvGrpSpPr/>
+        <p:nvPr/>
+      </p:nvGrpSpPr>
+      <p:grpSpPr>
+        <a:xfrm>
+          <a:off x="0" y="0"/>
+          <a:ext cx="0" cy="0"/>
+          <a:chOff x="0" y="0"/>
+          <a:chExt cx="0" cy="0"/>
+        </a:xfrm>
+      </p:grpSpPr>
+      <p:sp>
+        <p:nvSpPr>
+          <p:cNvPr id="296" name="Google Shape;296;g1623af889d_0_27:notes"/>
+          <p:cNvSpPr>
+            <a:spLocks noGrp="1" noRot="1" noChangeAspect="1"/>
+          </p:cNvSpPr>
+          <p:nvPr>
+            <p:ph type="sldImg" idx="2"/>
+          </p:nvPr>
+        </p:nvSpPr>
+        <p:spPr>
+          <a:xfrm>
+            <a:off x="381000" y="685800"/>
+            <a:ext cx="6096000" cy="3429000"/>
+          </a:xfrm>
+          <a:custGeom>
+            <a:avLst/>
+            <a:gdLst/>
+            <a:ahLst/>
+            <a:cxnLst/>
+            <a:rect l="l" t="t" r="r" b="b"/>
+            <a:pathLst>
+              <a:path w="120000" h="120000" extrusionOk="0">
+                <a:moveTo>
+                  <a:pt x="0" y="0"/>
+                </a:moveTo>
+                <a:lnTo>
+                  <a:pt x="120000" y="0"/>
+                </a:lnTo>
+                <a:lnTo>
+                  <a:pt x="120000" y="120000"/>
+                </a:lnTo>
+                <a:lnTo>
+                  <a:pt x="0" y="120000"/>
+                </a:lnTo>
+                <a:close/>
+              </a:path>
+            </a:pathLst>
+          </a:custGeom>
+        </p:spPr>
+      </p:sp>
+      <p:sp>
+        <p:nvSpPr>
+          <p:cNvPr id="297" name="Google Shape;297;g1623af889d_0_27:notes"/>
+          <p:cNvSpPr txBox="1">
+            <a:spLocks noGrp="1"/>
+          </p:cNvSpPr>
+          <p:nvPr>
+            <p:ph type="body" idx="1"/>
+          </p:nvPr>
+        </p:nvSpPr>
+        <p:spPr>
+          <a:xfrm>
+            <a:off x="685800" y="4343400"/>
+            <a:ext cx="5486400" cy="4114800"/>
+          </a:xfrm>
+          <a:prstGeom prst="rect">
+            <a:avLst/>
+          </a:prstGeom>
+        </p:spPr>
+        <p:txBody>
+          <a:bodyPr spcFirstLastPara="1" wrap="square" lIns="91425" tIns="91425" rIns="91425" bIns="91425" anchor="t" anchorCtr="0">
+            <a:noAutofit/>
+          </a:bodyPr>
+          <a:lstStyle/>
+          <a:p>
+            <a:pPr marL="0" lvl="0" indent="0" algn="l" rtl="0">
+              <a:spcBef>
+                <a:spcPts val="0"/>
+              </a:spcBef>
+              <a:spcAft>
+                <a:spcPts val="0"/>
+              </a:spcAft>
+              <a:buNone/>
+            </a:pPr>
+            <a:endParaRPr/>
+          </a:p>
+        </p:txBody>
+      </p:sp>
+    </p:spTree>
+    <p:extLst>
+      <p:ext uri="{BB962C8B-B14F-4D97-AF65-F5344CB8AC3E}">
+        <p14:creationId xmlns:p14="http://schemas.microsoft.com/office/powerpoint/2010/main" val="3442452788"/>
+      </p:ext>
+    </p:extLst>
+  </p:cSld>
+  <p:clrMapOvr>
+    <a:masterClrMapping/>
+  </p:clrMapOvr>
+</p:notes>
+</file>
+
+<file path=ppt/notesSlides/notesSlide14.xml><?xml version="1.0" encoding="utf-8"?>
+<p:notes xmlns:a="http://schemas.openxmlformats.org/drawingml/2006/main" xmlns:r="http://schemas.openxmlformats.org/officeDocument/2006/relationships" xmlns:p="http://schemas.openxmlformats.org/presentationml/2006/main" showMasterSp="0" showMasterPhAnim="0">
+  <p:cSld>
+    <p:spTree>
+      <p:nvGrpSpPr>
+        <p:cNvPr id="1" name="Shape 302"/>
+        <p:cNvGrpSpPr/>
+        <p:nvPr/>
+      </p:nvGrpSpPr>
+      <p:grpSpPr>
+        <a:xfrm>
+          <a:off x="0" y="0"/>
+          <a:ext cx="0" cy="0"/>
+          <a:chOff x="0" y="0"/>
+          <a:chExt cx="0" cy="0"/>
+        </a:xfrm>
+      </p:grpSpPr>
+      <p:sp>
+        <p:nvSpPr>
+          <p:cNvPr id="303" name="Google Shape;303;g1804ee73ec_0_153:notes"/>
+          <p:cNvSpPr>
+            <a:spLocks noGrp="1" noRot="1" noChangeAspect="1"/>
+          </p:cNvSpPr>
+          <p:nvPr>
+            <p:ph type="sldImg" idx="2"/>
+          </p:nvPr>
+        </p:nvSpPr>
+        <p:spPr>
+          <a:xfrm>
+            <a:off x="381000" y="685800"/>
+            <a:ext cx="6096000" cy="3429000"/>
+          </a:xfrm>
+          <a:custGeom>
+            <a:avLst/>
+            <a:gdLst/>
+            <a:ahLst/>
+            <a:cxnLst/>
+            <a:rect l="l" t="t" r="r" b="b"/>
+            <a:pathLst>
+              <a:path w="120000" h="120000" extrusionOk="0">
+                <a:moveTo>
+                  <a:pt x="0" y="0"/>
+                </a:moveTo>
+                <a:lnTo>
+                  <a:pt x="120000" y="0"/>
+                </a:lnTo>
+                <a:lnTo>
+                  <a:pt x="120000" y="120000"/>
+                </a:lnTo>
+                <a:lnTo>
+                  <a:pt x="0" y="120000"/>
+                </a:lnTo>
+                <a:close/>
+              </a:path>
+            </a:pathLst>
+          </a:custGeom>
+        </p:spPr>
+      </p:sp>
+      <p:sp>
+        <p:nvSpPr>
+          <p:cNvPr id="304" name="Google Shape;304;g1804ee73ec_0_153:notes"/>
+          <p:cNvSpPr txBox="1">
+            <a:spLocks noGrp="1"/>
+          </p:cNvSpPr>
+          <p:nvPr>
+            <p:ph type="body" idx="1"/>
+          </p:nvPr>
+        </p:nvSpPr>
+        <p:spPr>
+          <a:xfrm>
+            <a:off x="685800" y="4343400"/>
+            <a:ext cx="5486400" cy="4114800"/>
+          </a:xfrm>
+          <a:prstGeom prst="rect">
+            <a:avLst/>
+          </a:prstGeom>
+        </p:spPr>
+        <p:txBody>
+          <a:bodyPr spcFirstLastPara="1" wrap="square" lIns="91425" tIns="91425" rIns="91425" bIns="91425" anchor="t" anchorCtr="0">
+            <a:noAutofit/>
+          </a:bodyPr>
+          <a:lstStyle/>
+          <a:p>
+            <a:pPr marL="0" lvl="0" indent="0" algn="l" rtl="0">
+              <a:spcBef>
+                <a:spcPts val="0"/>
+              </a:spcBef>
+              <a:spcAft>
+                <a:spcPts val="0"/>
+              </a:spcAft>
+              <a:buNone/>
+            </a:pPr>
+            <a:endParaRPr/>
+          </a:p>
+        </p:txBody>
+      </p:sp>
+    </p:spTree>
+    <p:extLst>
+      <p:ext uri="{BB962C8B-B14F-4D97-AF65-F5344CB8AC3E}">
+        <p14:creationId xmlns:p14="http://schemas.microsoft.com/office/powerpoint/2010/main" val="2345929445"/>
+      </p:ext>
+    </p:extLst>
+  </p:cSld>
+  <p:clrMapOvr>
+    <a:masterClrMapping/>
+  </p:clrMapOvr>
+</p:notes>
+</file>
+
+<file path=ppt/notesSlides/notesSlide15.xml><?xml version="1.0" encoding="utf-8"?>
+<p:notes xmlns:a="http://schemas.openxmlformats.org/drawingml/2006/main" xmlns:r="http://schemas.openxmlformats.org/officeDocument/2006/relationships" xmlns:p="http://schemas.openxmlformats.org/presentationml/2006/main" showMasterSp="0" showMasterPhAnim="0">
+  <p:cSld>
+    <p:spTree>
+      <p:nvGrpSpPr>
+        <p:cNvPr id="1" name="Shape 655"/>
+        <p:cNvGrpSpPr/>
+        <p:nvPr/>
+      </p:nvGrpSpPr>
+      <p:grpSpPr>
+        <a:xfrm>
+          <a:off x="0" y="0"/>
+          <a:ext cx="0" cy="0"/>
+          <a:chOff x="0" y="0"/>
+          <a:chExt cx="0" cy="0"/>
+        </a:xfrm>
+      </p:grpSpPr>
+      <p:sp>
+        <p:nvSpPr>
+          <p:cNvPr id="656" name="Google Shape;656;g1804ee73ec_0_18:notes"/>
+          <p:cNvSpPr>
+            <a:spLocks noGrp="1" noRot="1" noChangeAspect="1"/>
+          </p:cNvSpPr>
+          <p:nvPr>
+            <p:ph type="sldImg" idx="2"/>
+          </p:nvPr>
+        </p:nvSpPr>
+        <p:spPr>
+          <a:xfrm>
+            <a:off x="381000" y="685800"/>
+            <a:ext cx="6096000" cy="3429000"/>
+          </a:xfrm>
+          <a:custGeom>
+            <a:avLst/>
+            <a:gdLst/>
+            <a:ahLst/>
+            <a:cxnLst/>
+            <a:rect l="l" t="t" r="r" b="b"/>
+            <a:pathLst>
+              <a:path w="120000" h="120000" extrusionOk="0">
+                <a:moveTo>
+                  <a:pt x="0" y="0"/>
+                </a:moveTo>
+                <a:lnTo>
+                  <a:pt x="120000" y="0"/>
+                </a:lnTo>
+                <a:lnTo>
+                  <a:pt x="120000" y="120000"/>
+                </a:lnTo>
+                <a:lnTo>
+                  <a:pt x="0" y="120000"/>
+                </a:lnTo>
+                <a:close/>
+              </a:path>
+            </a:pathLst>
+          </a:custGeom>
+        </p:spPr>
+      </p:sp>
+      <p:sp>
+        <p:nvSpPr>
+          <p:cNvPr id="657" name="Google Shape;657;g1804ee73ec_0_18:notes"/>
+          <p:cNvSpPr txBox="1">
+            <a:spLocks noGrp="1"/>
+          </p:cNvSpPr>
+          <p:nvPr>
+            <p:ph type="body" idx="1"/>
+          </p:nvPr>
+        </p:nvSpPr>
+        <p:spPr>
+          <a:xfrm>
+            <a:off x="685800" y="4343400"/>
+            <a:ext cx="5486400" cy="4114800"/>
+          </a:xfrm>
+          <a:prstGeom prst="rect">
+            <a:avLst/>
+          </a:prstGeom>
+        </p:spPr>
+        <p:txBody>
+          <a:bodyPr spcFirstLastPara="1" wrap="square" lIns="91425" tIns="91425" rIns="91425" bIns="91425" anchor="t" anchorCtr="0">
+            <a:noAutofit/>
+          </a:bodyPr>
+          <a:lstStyle/>
+          <a:p>
+            <a:pPr marL="0" lvl="0" indent="0" algn="l" rtl="0">
+              <a:spcBef>
+                <a:spcPts val="0"/>
+              </a:spcBef>
+              <a:spcAft>
+                <a:spcPts val="0"/>
+              </a:spcAft>
+              <a:buNone/>
+            </a:pPr>
+            <a:endParaRPr/>
+          </a:p>
+        </p:txBody>
+      </p:sp>
+    </p:spTree>
+  </p:cSld>
+  <p:clrMapOvr>
+    <a:masterClrMapping/>
+  </p:clrMapOvr>
+</p:notes>
+</file>
+
 <file path=ppt/notesSlides/notesSlide2.xml><?xml version="1.0" encoding="utf-8"?>
 <p:notes xmlns:a="http://schemas.openxmlformats.org/drawingml/2006/main" xmlns:r="http://schemas.openxmlformats.org/officeDocument/2006/relationships" xmlns:p="http://schemas.openxmlformats.org/presentationml/2006/main" showMasterSp="0" showMasterPhAnim="0">
   <p:cSld>
@@ -1307,7 +1965,7 @@
   <p:cSld>
     <p:spTree>
       <p:nvGrpSpPr>
-        <p:cNvPr id="1" name="Shape 302"/>
+        <p:cNvPr id="1" name="Shape 295"/>
         <p:cNvGrpSpPr/>
         <p:nvPr/>
       </p:nvGrpSpPr>
@@ -1321,7 +1979,7 @@
       </p:grpSpPr>
       <p:sp>
         <p:nvSpPr>
-          <p:cNvPr id="303" name="Google Shape;303;g1804ee73ec_0_153:notes"/>
+          <p:cNvPr id="296" name="Google Shape;296;g1623af889d_0_27:notes"/>
           <p:cNvSpPr>
             <a:spLocks noGrp="1" noRot="1" noChangeAspect="1"/>
           </p:cNvSpPr>
@@ -1362,7 +2020,7 @@
       </p:sp>
       <p:sp>
         <p:nvSpPr>
-          <p:cNvPr id="304" name="Google Shape;304;g1804ee73ec_0_153:notes"/>
+          <p:cNvPr id="297" name="Google Shape;297;g1623af889d_0_27:notes"/>
           <p:cNvSpPr txBox="1">
             <a:spLocks noGrp="1"/>
           </p:cNvSpPr>
@@ -1399,6 +2057,11 @@
         </p:txBody>
       </p:sp>
     </p:spTree>
+    <p:extLst>
+      <p:ext uri="{BB962C8B-B14F-4D97-AF65-F5344CB8AC3E}">
+        <p14:creationId xmlns:p14="http://schemas.microsoft.com/office/powerpoint/2010/main" val="3722315575"/>
+      </p:ext>
+    </p:extLst>
   </p:cSld>
   <p:clrMapOvr>
     <a:masterClrMapping/>
@@ -1411,7 +2074,7 @@
   <p:cSld>
     <p:spTree>
       <p:nvGrpSpPr>
-        <p:cNvPr id="1" name="Shape 302"/>
+        <p:cNvPr id="1" name="Shape 295"/>
         <p:cNvGrpSpPr/>
         <p:nvPr/>
       </p:nvGrpSpPr>
@@ -1425,7 +2088,7 @@
       </p:grpSpPr>
       <p:sp>
         <p:nvSpPr>
-          <p:cNvPr id="303" name="Google Shape;303;g1804ee73ec_0_153:notes"/>
+          <p:cNvPr id="296" name="Google Shape;296;g1623af889d_0_27:notes"/>
           <p:cNvSpPr>
             <a:spLocks noGrp="1" noRot="1" noChangeAspect="1"/>
           </p:cNvSpPr>
@@ -1466,7 +2129,7 @@
       </p:sp>
       <p:sp>
         <p:nvSpPr>
-          <p:cNvPr id="304" name="Google Shape;304;g1804ee73ec_0_153:notes"/>
+          <p:cNvPr id="297" name="Google Shape;297;g1623af889d_0_27:notes"/>
           <p:cNvSpPr txBox="1">
             <a:spLocks noGrp="1"/>
           </p:cNvSpPr>
@@ -1505,7 +2168,7 @@
     </p:spTree>
     <p:extLst>
       <p:ext uri="{BB962C8B-B14F-4D97-AF65-F5344CB8AC3E}">
-        <p14:creationId xmlns:p14="http://schemas.microsoft.com/office/powerpoint/2010/main" val="569900193"/>
+        <p14:creationId xmlns:p14="http://schemas.microsoft.com/office/powerpoint/2010/main" val="622484742"/>
       </p:ext>
     </p:extLst>
   </p:cSld>
@@ -1520,7 +2183,7 @@
   <p:cSld>
     <p:spTree>
       <p:nvGrpSpPr>
-        <p:cNvPr id="1" name="Shape 655"/>
+        <p:cNvPr id="1" name="Shape 295"/>
         <p:cNvGrpSpPr/>
         <p:nvPr/>
       </p:nvGrpSpPr>
@@ -1534,7 +2197,7 @@
       </p:grpSpPr>
       <p:sp>
         <p:nvSpPr>
-          <p:cNvPr id="656" name="Google Shape;656;g1804ee73ec_0_18:notes"/>
+          <p:cNvPr id="296" name="Google Shape;296;g1623af889d_0_27:notes"/>
           <p:cNvSpPr>
             <a:spLocks noGrp="1" noRot="1" noChangeAspect="1"/>
           </p:cNvSpPr>
@@ -1575,7 +2238,7 @@
       </p:sp>
       <p:sp>
         <p:nvSpPr>
-          <p:cNvPr id="657" name="Google Shape;657;g1804ee73ec_0_18:notes"/>
+          <p:cNvPr id="297" name="Google Shape;297;g1623af889d_0_27:notes"/>
           <p:cNvSpPr txBox="1">
             <a:spLocks noGrp="1"/>
           </p:cNvSpPr>
@@ -1612,6 +2275,120 @@
         </p:txBody>
       </p:sp>
     </p:spTree>
+    <p:extLst>
+      <p:ext uri="{BB962C8B-B14F-4D97-AF65-F5344CB8AC3E}">
+        <p14:creationId xmlns:p14="http://schemas.microsoft.com/office/powerpoint/2010/main" val="472188544"/>
+      </p:ext>
+    </p:extLst>
+  </p:cSld>
+  <p:clrMapOvr>
+    <a:masterClrMapping/>
+  </p:clrMapOvr>
+</p:notes>
+</file>
+
+<file path=ppt/notesSlides/notesSlide9.xml><?xml version="1.0" encoding="utf-8"?>
+<p:notes xmlns:a="http://schemas.openxmlformats.org/drawingml/2006/main" xmlns:r="http://schemas.openxmlformats.org/officeDocument/2006/relationships" xmlns:p="http://schemas.openxmlformats.org/presentationml/2006/main" showMasterSp="0" showMasterPhAnim="0">
+  <p:cSld>
+    <p:spTree>
+      <p:nvGrpSpPr>
+        <p:cNvPr id="1" name="Shape 295"/>
+        <p:cNvGrpSpPr/>
+        <p:nvPr/>
+      </p:nvGrpSpPr>
+      <p:grpSpPr>
+        <a:xfrm>
+          <a:off x="0" y="0"/>
+          <a:ext cx="0" cy="0"/>
+          <a:chOff x="0" y="0"/>
+          <a:chExt cx="0" cy="0"/>
+        </a:xfrm>
+      </p:grpSpPr>
+      <p:sp>
+        <p:nvSpPr>
+          <p:cNvPr id="296" name="Google Shape;296;g1623af889d_0_27:notes"/>
+          <p:cNvSpPr>
+            <a:spLocks noGrp="1" noRot="1" noChangeAspect="1"/>
+          </p:cNvSpPr>
+          <p:nvPr>
+            <p:ph type="sldImg" idx="2"/>
+          </p:nvPr>
+        </p:nvSpPr>
+        <p:spPr>
+          <a:xfrm>
+            <a:off x="381000" y="685800"/>
+            <a:ext cx="6096000" cy="3429000"/>
+          </a:xfrm>
+          <a:custGeom>
+            <a:avLst/>
+            <a:gdLst/>
+            <a:ahLst/>
+            <a:cxnLst/>
+            <a:rect l="l" t="t" r="r" b="b"/>
+            <a:pathLst>
+              <a:path w="120000" h="120000" extrusionOk="0">
+                <a:moveTo>
+                  <a:pt x="0" y="0"/>
+                </a:moveTo>
+                <a:lnTo>
+                  <a:pt x="120000" y="0"/>
+                </a:lnTo>
+                <a:lnTo>
+                  <a:pt x="120000" y="120000"/>
+                </a:lnTo>
+                <a:lnTo>
+                  <a:pt x="0" y="120000"/>
+                </a:lnTo>
+                <a:close/>
+              </a:path>
+            </a:pathLst>
+          </a:custGeom>
+        </p:spPr>
+      </p:sp>
+      <p:sp>
+        <p:nvSpPr>
+          <p:cNvPr id="297" name="Google Shape;297;g1623af889d_0_27:notes"/>
+          <p:cNvSpPr txBox="1">
+            <a:spLocks noGrp="1"/>
+          </p:cNvSpPr>
+          <p:nvPr>
+            <p:ph type="body" idx="1"/>
+          </p:nvPr>
+        </p:nvSpPr>
+        <p:spPr>
+          <a:xfrm>
+            <a:off x="685800" y="4343400"/>
+            <a:ext cx="5486400" cy="4114800"/>
+          </a:xfrm>
+          <a:prstGeom prst="rect">
+            <a:avLst/>
+          </a:prstGeom>
+        </p:spPr>
+        <p:txBody>
+          <a:bodyPr spcFirstLastPara="1" wrap="square" lIns="91425" tIns="91425" rIns="91425" bIns="91425" anchor="t" anchorCtr="0">
+            <a:noAutofit/>
+          </a:bodyPr>
+          <a:lstStyle/>
+          <a:p>
+            <a:pPr marL="0" lvl="0" indent="0" algn="l" rtl="0">
+              <a:spcBef>
+                <a:spcPts val="0"/>
+              </a:spcBef>
+              <a:spcAft>
+                <a:spcPts val="0"/>
+              </a:spcAft>
+              <a:buNone/>
+            </a:pPr>
+            <a:endParaRPr/>
+          </a:p>
+        </p:txBody>
+      </p:sp>
+    </p:spTree>
+    <p:extLst>
+      <p:ext uri="{BB962C8B-B14F-4D97-AF65-F5344CB8AC3E}">
+        <p14:creationId xmlns:p14="http://schemas.microsoft.com/office/powerpoint/2010/main" val="1184176201"/>
+      </p:ext>
+    </p:extLst>
   </p:cSld>
   <p:clrMapOvr>
     <a:masterClrMapping/>
@@ -13579,7 +14356,7 @@
               <a:buNone/>
             </a:pPr>
             <a:r>
-              <a:rPr lang="en" sz="2100" dirty="0">
+              <a:rPr lang="en" sz="2100">
                 <a:solidFill>
                   <a:srgbClr val="FAFAFA"/>
                 </a:solidFill>
@@ -13588,7 +14365,7 @@
                 <a:cs typeface="Roboto"/>
                 <a:sym typeface="Roboto"/>
               </a:rPr>
-              <a:t>Week 9-10</a:t>
+              <a:t>Week 10-12</a:t>
             </a:r>
             <a:endParaRPr sz="2100" dirty="0">
               <a:solidFill>
@@ -13599,6 +14376,1110 @@
               <a:cs typeface="Roboto"/>
               <a:sym typeface="Roboto"/>
             </a:endParaRPr>
+          </a:p>
+        </p:txBody>
+      </p:sp>
+    </p:spTree>
+  </p:cSld>
+  <p:clrMapOvr>
+    <a:masterClrMapping/>
+  </p:clrMapOvr>
+</p:sld>
+</file>
+
+<file path=ppt/slides/slide10.xml><?xml version="1.0" encoding="utf-8"?>
+<p:sld xmlns:a="http://schemas.openxmlformats.org/drawingml/2006/main" xmlns:r="http://schemas.openxmlformats.org/officeDocument/2006/relationships" xmlns:p="http://schemas.openxmlformats.org/presentationml/2006/main">
+  <p:cSld>
+    <p:spTree>
+      <p:nvGrpSpPr>
+        <p:cNvPr id="1" name="Shape 305"/>
+        <p:cNvGrpSpPr/>
+        <p:nvPr/>
+      </p:nvGrpSpPr>
+      <p:grpSpPr>
+        <a:xfrm>
+          <a:off x="0" y="0"/>
+          <a:ext cx="0" cy="0"/>
+          <a:chOff x="0" y="0"/>
+          <a:chExt cx="0" cy="0"/>
+        </a:xfrm>
+      </p:grpSpPr>
+      <p:sp>
+        <p:nvSpPr>
+          <p:cNvPr id="306" name="Google Shape;306;p58"/>
+          <p:cNvSpPr txBox="1">
+            <a:spLocks noGrp="1"/>
+          </p:cNvSpPr>
+          <p:nvPr>
+            <p:ph type="title"/>
+          </p:nvPr>
+        </p:nvSpPr>
+        <p:spPr>
+          <a:xfrm>
+            <a:off x="311700" y="170820"/>
+            <a:ext cx="8520600" cy="572700"/>
+          </a:xfrm>
+          <a:prstGeom prst="rect">
+            <a:avLst/>
+          </a:prstGeom>
+        </p:spPr>
+        <p:txBody>
+          <a:bodyPr spcFirstLastPara="1" wrap="square" lIns="91425" tIns="91425" rIns="91425" bIns="91425" anchor="t" anchorCtr="0">
+            <a:noAutofit/>
+          </a:bodyPr>
+          <a:lstStyle/>
+          <a:p>
+            <a:pPr marL="0" lvl="0" indent="0" algn="l" rtl="0">
+              <a:lnSpc>
+                <a:spcPct val="115000"/>
+              </a:lnSpc>
+              <a:spcBef>
+                <a:spcPts val="0"/>
+              </a:spcBef>
+              <a:spcAft>
+                <a:spcPts val="0"/>
+              </a:spcAft>
+              <a:buNone/>
+            </a:pPr>
+            <a:r>
+              <a:rPr lang="en" dirty="0">
+                <a:solidFill>
+                  <a:srgbClr val="FFFFFF"/>
+                </a:solidFill>
+                <a:latin typeface="Arial"/>
+                <a:ea typeface="Arial"/>
+                <a:cs typeface="Arial"/>
+                <a:sym typeface="Arial"/>
+              </a:rPr>
+              <a:t>What is Retrofit?</a:t>
+            </a:r>
+            <a:endParaRPr dirty="0">
+              <a:solidFill>
+                <a:srgbClr val="FFFFFF"/>
+              </a:solidFill>
+            </a:endParaRPr>
+          </a:p>
+        </p:txBody>
+      </p:sp>
+      <p:sp>
+        <p:nvSpPr>
+          <p:cNvPr id="307" name="Google Shape;307;p58"/>
+          <p:cNvSpPr txBox="1">
+            <a:spLocks noGrp="1"/>
+          </p:cNvSpPr>
+          <p:nvPr>
+            <p:ph type="sldNum" idx="12"/>
+          </p:nvPr>
+        </p:nvSpPr>
+        <p:spPr>
+          <a:xfrm>
+            <a:off x="8472458" y="4739417"/>
+            <a:ext cx="548700" cy="393600"/>
+          </a:xfrm>
+          <a:prstGeom prst="rect">
+            <a:avLst/>
+          </a:prstGeom>
+        </p:spPr>
+        <p:txBody>
+          <a:bodyPr spcFirstLastPara="1" wrap="square" lIns="91425" tIns="91425" rIns="91425" bIns="91425" anchor="ctr" anchorCtr="0">
+            <a:noAutofit/>
+          </a:bodyPr>
+          <a:lstStyle/>
+          <a:p>
+            <a:pPr marL="0" lvl="0" indent="0" algn="r" rtl="0">
+              <a:spcBef>
+                <a:spcPts val="0"/>
+              </a:spcBef>
+              <a:spcAft>
+                <a:spcPts val="0"/>
+              </a:spcAft>
+              <a:buNone/>
+            </a:pPr>
+            <a:fld id="{00000000-1234-1234-1234-123412341234}" type="slidenum">
+              <a:rPr lang="en"/>
+              <a:t>10</a:t>
+            </a:fld>
+            <a:endParaRPr/>
+          </a:p>
+        </p:txBody>
+      </p:sp>
+      <p:sp>
+        <p:nvSpPr>
+          <p:cNvPr id="308" name="Google Shape;308;p58"/>
+          <p:cNvSpPr txBox="1">
+            <a:spLocks noGrp="1"/>
+          </p:cNvSpPr>
+          <p:nvPr>
+            <p:ph type="body" idx="1"/>
+          </p:nvPr>
+        </p:nvSpPr>
+        <p:spPr>
+          <a:xfrm>
+            <a:off x="311700" y="1076275"/>
+            <a:ext cx="8520600" cy="3416400"/>
+          </a:xfrm>
+          <a:prstGeom prst="rect">
+            <a:avLst/>
+          </a:prstGeom>
+        </p:spPr>
+        <p:txBody>
+          <a:bodyPr spcFirstLastPara="1" wrap="square" lIns="91425" tIns="91425" rIns="91425" bIns="91425" anchor="t" anchorCtr="0">
+            <a:noAutofit/>
+          </a:bodyPr>
+          <a:lstStyle/>
+          <a:p>
+            <a:pPr marL="457200" lvl="0" indent="-381000" algn="l" rtl="0">
+              <a:spcBef>
+                <a:spcPts val="1000"/>
+              </a:spcBef>
+              <a:spcAft>
+                <a:spcPts val="0"/>
+              </a:spcAft>
+              <a:buSzPts val="2400"/>
+              <a:buChar char="●"/>
+            </a:pPr>
+            <a:r>
+              <a:rPr lang="en-US" dirty="0"/>
+              <a:t>Retrofit is a type-safe HTTP client for Android and Java developed by Square.</a:t>
+            </a:r>
+            <a:endParaRPr dirty="0"/>
+          </a:p>
+        </p:txBody>
+      </p:sp>
+      <p:pic>
+        <p:nvPicPr>
+          <p:cNvPr id="3" name="Picture 2" descr="A green background with white text&#10;&#10;Description automatically generated">
+            <a:extLst>
+              <a:ext uri="{FF2B5EF4-FFF2-40B4-BE49-F238E27FC236}">
+                <a16:creationId xmlns:a16="http://schemas.microsoft.com/office/drawing/2014/main" id="{E3360EC1-A52D-0666-B5AD-1589D53B3706}"/>
+              </a:ext>
+            </a:extLst>
+          </p:cNvPr>
+          <p:cNvPicPr>
+            <a:picLocks noChangeAspect="1"/>
+          </p:cNvPicPr>
+          <p:nvPr/>
+        </p:nvPicPr>
+        <p:blipFill>
+          <a:blip r:embed="rId3"/>
+          <a:stretch>
+            <a:fillRect/>
+          </a:stretch>
+        </p:blipFill>
+        <p:spPr>
+          <a:xfrm>
+            <a:off x="5948680" y="2142174"/>
+            <a:ext cx="2683256" cy="2683256"/>
+          </a:xfrm>
+          <a:prstGeom prst="rect">
+            <a:avLst/>
+          </a:prstGeom>
+          <a:effectLst>
+            <a:outerShdw blurRad="50800" dist="38100" dir="5400000" algn="t" rotWithShape="0">
+              <a:prstClr val="black">
+                <a:alpha val="40000"/>
+              </a:prstClr>
+            </a:outerShdw>
+          </a:effectLst>
+        </p:spPr>
+      </p:pic>
+    </p:spTree>
+  </p:cSld>
+  <p:clrMapOvr>
+    <a:masterClrMapping/>
+  </p:clrMapOvr>
+</p:sld>
+</file>
+
+<file path=ppt/slides/slide11.xml><?xml version="1.0" encoding="utf-8"?>
+<p:sld xmlns:a="http://schemas.openxmlformats.org/drawingml/2006/main" xmlns:r="http://schemas.openxmlformats.org/officeDocument/2006/relationships" xmlns:p="http://schemas.openxmlformats.org/presentationml/2006/main">
+  <p:cSld>
+    <p:spTree>
+      <p:nvGrpSpPr>
+        <p:cNvPr id="1" name="Shape 305"/>
+        <p:cNvGrpSpPr/>
+        <p:nvPr/>
+      </p:nvGrpSpPr>
+      <p:grpSpPr>
+        <a:xfrm>
+          <a:off x="0" y="0"/>
+          <a:ext cx="0" cy="0"/>
+          <a:chOff x="0" y="0"/>
+          <a:chExt cx="0" cy="0"/>
+        </a:xfrm>
+      </p:grpSpPr>
+      <p:sp>
+        <p:nvSpPr>
+          <p:cNvPr id="306" name="Google Shape;306;p58"/>
+          <p:cNvSpPr txBox="1">
+            <a:spLocks noGrp="1"/>
+          </p:cNvSpPr>
+          <p:nvPr>
+            <p:ph type="title"/>
+          </p:nvPr>
+        </p:nvSpPr>
+        <p:spPr>
+          <a:xfrm>
+            <a:off x="311700" y="170820"/>
+            <a:ext cx="8520600" cy="572700"/>
+          </a:xfrm>
+          <a:prstGeom prst="rect">
+            <a:avLst/>
+          </a:prstGeom>
+        </p:spPr>
+        <p:txBody>
+          <a:bodyPr spcFirstLastPara="1" wrap="square" lIns="91425" tIns="91425" rIns="91425" bIns="91425" anchor="t" anchorCtr="0">
+            <a:noAutofit/>
+          </a:bodyPr>
+          <a:lstStyle/>
+          <a:p>
+            <a:pPr marL="0" lvl="0" indent="0" algn="l" rtl="0">
+              <a:lnSpc>
+                <a:spcPct val="115000"/>
+              </a:lnSpc>
+              <a:spcBef>
+                <a:spcPts val="0"/>
+              </a:spcBef>
+              <a:spcAft>
+                <a:spcPts val="0"/>
+              </a:spcAft>
+              <a:buNone/>
+            </a:pPr>
+            <a:r>
+              <a:rPr lang="en" dirty="0">
+                <a:solidFill>
+                  <a:srgbClr val="FFFFFF"/>
+                </a:solidFill>
+                <a:latin typeface="Arial"/>
+                <a:ea typeface="Arial"/>
+                <a:cs typeface="Arial"/>
+                <a:sym typeface="Arial"/>
+              </a:rPr>
+              <a:t>Client and Server</a:t>
+            </a:r>
+            <a:endParaRPr dirty="0">
+              <a:solidFill>
+                <a:srgbClr val="FFFFFF"/>
+              </a:solidFill>
+            </a:endParaRPr>
+          </a:p>
+        </p:txBody>
+      </p:sp>
+      <p:sp>
+        <p:nvSpPr>
+          <p:cNvPr id="307" name="Google Shape;307;p58"/>
+          <p:cNvSpPr txBox="1">
+            <a:spLocks noGrp="1"/>
+          </p:cNvSpPr>
+          <p:nvPr>
+            <p:ph type="sldNum" idx="12"/>
+          </p:nvPr>
+        </p:nvSpPr>
+        <p:spPr>
+          <a:xfrm>
+            <a:off x="8472458" y="4739417"/>
+            <a:ext cx="548700" cy="393600"/>
+          </a:xfrm>
+          <a:prstGeom prst="rect">
+            <a:avLst/>
+          </a:prstGeom>
+        </p:spPr>
+        <p:txBody>
+          <a:bodyPr spcFirstLastPara="1" wrap="square" lIns="91425" tIns="91425" rIns="91425" bIns="91425" anchor="ctr" anchorCtr="0">
+            <a:noAutofit/>
+          </a:bodyPr>
+          <a:lstStyle/>
+          <a:p>
+            <a:pPr marL="0" lvl="0" indent="0" algn="r" rtl="0">
+              <a:spcBef>
+                <a:spcPts val="0"/>
+              </a:spcBef>
+              <a:spcAft>
+                <a:spcPts val="0"/>
+              </a:spcAft>
+              <a:buNone/>
+            </a:pPr>
+            <a:fld id="{00000000-1234-1234-1234-123412341234}" type="slidenum">
+              <a:rPr lang="en"/>
+              <a:t>11</a:t>
+            </a:fld>
+            <a:endParaRPr/>
+          </a:p>
+        </p:txBody>
+      </p:sp>
+      <p:pic>
+        <p:nvPicPr>
+          <p:cNvPr id="4" name="Picture 3" descr="A diagram of a software application&#10;&#10;Description automatically generated">
+            <a:extLst>
+              <a:ext uri="{FF2B5EF4-FFF2-40B4-BE49-F238E27FC236}">
+                <a16:creationId xmlns:a16="http://schemas.microsoft.com/office/drawing/2014/main" id="{385D21B0-9C02-61A0-357E-7EF2631A302F}"/>
+              </a:ext>
+            </a:extLst>
+          </p:cNvPr>
+          <p:cNvPicPr>
+            <a:picLocks noChangeAspect="1"/>
+          </p:cNvPicPr>
+          <p:nvPr/>
+        </p:nvPicPr>
+        <p:blipFill>
+          <a:blip r:embed="rId3"/>
+          <a:stretch>
+            <a:fillRect/>
+          </a:stretch>
+        </p:blipFill>
+        <p:spPr>
+          <a:xfrm>
+            <a:off x="1877698" y="1066879"/>
+            <a:ext cx="5282731" cy="3905801"/>
+          </a:xfrm>
+          <a:prstGeom prst="rect">
+            <a:avLst/>
+          </a:prstGeom>
+        </p:spPr>
+      </p:pic>
+    </p:spTree>
+    <p:extLst>
+      <p:ext uri="{BB962C8B-B14F-4D97-AF65-F5344CB8AC3E}">
+        <p14:creationId xmlns:p14="http://schemas.microsoft.com/office/powerpoint/2010/main" val="2342576204"/>
+      </p:ext>
+    </p:extLst>
+  </p:cSld>
+  <p:clrMapOvr>
+    <a:masterClrMapping/>
+  </p:clrMapOvr>
+</p:sld>
+</file>
+
+<file path=ppt/slides/slide12.xml><?xml version="1.0" encoding="utf-8"?>
+<p:sld xmlns:a="http://schemas.openxmlformats.org/drawingml/2006/main" xmlns:r="http://schemas.openxmlformats.org/officeDocument/2006/relationships" xmlns:p="http://schemas.openxmlformats.org/presentationml/2006/main">
+  <p:cSld>
+    <p:spTree>
+      <p:nvGrpSpPr>
+        <p:cNvPr id="1" name="Shape 298"/>
+        <p:cNvGrpSpPr/>
+        <p:nvPr/>
+      </p:nvGrpSpPr>
+      <p:grpSpPr>
+        <a:xfrm>
+          <a:off x="0" y="0"/>
+          <a:ext cx="0" cy="0"/>
+          <a:chOff x="0" y="0"/>
+          <a:chExt cx="0" cy="0"/>
+        </a:xfrm>
+      </p:grpSpPr>
+      <p:sp>
+        <p:nvSpPr>
+          <p:cNvPr id="299" name="Google Shape;299;p57"/>
+          <p:cNvSpPr txBox="1">
+            <a:spLocks noGrp="1"/>
+          </p:cNvSpPr>
+          <p:nvPr>
+            <p:ph type="title"/>
+          </p:nvPr>
+        </p:nvSpPr>
+        <p:spPr>
+          <a:xfrm>
+            <a:off x="311700" y="170820"/>
+            <a:ext cx="8520600" cy="572700"/>
+          </a:xfrm>
+          <a:prstGeom prst="rect">
+            <a:avLst/>
+          </a:prstGeom>
+        </p:spPr>
+        <p:txBody>
+          <a:bodyPr spcFirstLastPara="1" wrap="square" lIns="91425" tIns="91425" rIns="91425" bIns="91425" anchor="t" anchorCtr="0">
+            <a:noAutofit/>
+          </a:bodyPr>
+          <a:lstStyle/>
+          <a:p>
+            <a:pPr marL="0" lvl="0" indent="0" algn="l" rtl="0">
+              <a:lnSpc>
+                <a:spcPct val="115000"/>
+              </a:lnSpc>
+              <a:spcBef>
+                <a:spcPts val="0"/>
+              </a:spcBef>
+              <a:spcAft>
+                <a:spcPts val="0"/>
+              </a:spcAft>
+              <a:buNone/>
+            </a:pPr>
+            <a:r>
+              <a:rPr lang="en" dirty="0">
+                <a:solidFill>
+                  <a:srgbClr val="FFFFFF"/>
+                </a:solidFill>
+                <a:latin typeface="Arial"/>
+                <a:ea typeface="Arial"/>
+                <a:cs typeface="Arial"/>
+                <a:sym typeface="Arial"/>
+              </a:rPr>
+              <a:t>Permissions needed</a:t>
+            </a:r>
+            <a:endParaRPr dirty="0">
+              <a:solidFill>
+                <a:srgbClr val="FFFFFF"/>
+              </a:solidFill>
+            </a:endParaRPr>
+          </a:p>
+        </p:txBody>
+      </p:sp>
+      <p:sp>
+        <p:nvSpPr>
+          <p:cNvPr id="300" name="Google Shape;300;p57"/>
+          <p:cNvSpPr txBox="1">
+            <a:spLocks noGrp="1"/>
+          </p:cNvSpPr>
+          <p:nvPr>
+            <p:ph type="sldNum" idx="12"/>
+          </p:nvPr>
+        </p:nvSpPr>
+        <p:spPr>
+          <a:xfrm>
+            <a:off x="8472458" y="4739417"/>
+            <a:ext cx="548700" cy="393600"/>
+          </a:xfrm>
+          <a:prstGeom prst="rect">
+            <a:avLst/>
+          </a:prstGeom>
+        </p:spPr>
+        <p:txBody>
+          <a:bodyPr spcFirstLastPara="1" wrap="square" lIns="91425" tIns="91425" rIns="91425" bIns="91425" anchor="ctr" anchorCtr="0">
+            <a:noAutofit/>
+          </a:bodyPr>
+          <a:lstStyle/>
+          <a:p>
+            <a:pPr marL="0" lvl="0" indent="0" algn="r" rtl="0">
+              <a:spcBef>
+                <a:spcPts val="0"/>
+              </a:spcBef>
+              <a:spcAft>
+                <a:spcPts val="0"/>
+              </a:spcAft>
+              <a:buNone/>
+            </a:pPr>
+            <a:fld id="{00000000-1234-1234-1234-123412341234}" type="slidenum">
+              <a:rPr lang="en"/>
+              <a:t>12</a:t>
+            </a:fld>
+            <a:endParaRPr/>
+          </a:p>
+        </p:txBody>
+      </p:sp>
+      <p:sp>
+        <p:nvSpPr>
+          <p:cNvPr id="301" name="Google Shape;301;p57"/>
+          <p:cNvSpPr txBox="1">
+            <a:spLocks noGrp="1"/>
+          </p:cNvSpPr>
+          <p:nvPr>
+            <p:ph type="body" idx="1"/>
+          </p:nvPr>
+        </p:nvSpPr>
+        <p:spPr>
+          <a:xfrm>
+            <a:off x="311700" y="1076275"/>
+            <a:ext cx="8520600" cy="3416400"/>
+          </a:xfrm>
+          <a:prstGeom prst="rect">
+            <a:avLst/>
+          </a:prstGeom>
+        </p:spPr>
+        <p:txBody>
+          <a:bodyPr spcFirstLastPara="1" wrap="square" lIns="91425" tIns="91425" rIns="91425" bIns="91425" anchor="t" anchorCtr="0">
+            <a:noAutofit/>
+          </a:bodyPr>
+          <a:lstStyle/>
+          <a:p>
+            <a:pPr marL="76200" indent="0">
+              <a:buNone/>
+            </a:pPr>
+            <a:r>
+              <a:rPr lang="en-PH" dirty="0">
+                <a:solidFill>
+                  <a:schemeClr val="tx1"/>
+                </a:solidFill>
+                <a:effectLst/>
+              </a:rPr>
+              <a:t>&lt;uses-permission </a:t>
+            </a:r>
+            <a:r>
+              <a:rPr lang="en-PH" dirty="0" err="1">
+                <a:solidFill>
+                  <a:schemeClr val="tx1"/>
+                </a:solidFill>
+                <a:effectLst/>
+              </a:rPr>
+              <a:t>android:name</a:t>
+            </a:r>
+            <a:r>
+              <a:rPr lang="en-PH" dirty="0">
+                <a:solidFill>
+                  <a:schemeClr val="tx1"/>
+                </a:solidFill>
+                <a:effectLst/>
+              </a:rPr>
+              <a:t>="</a:t>
+            </a:r>
+            <a:r>
+              <a:rPr lang="en-PH" dirty="0" err="1">
+                <a:solidFill>
+                  <a:schemeClr val="tx1"/>
+                </a:solidFill>
+                <a:effectLst/>
+              </a:rPr>
+              <a:t>android.permission.INTERNET</a:t>
+            </a:r>
+            <a:r>
+              <a:rPr lang="en-PH" dirty="0">
+                <a:solidFill>
+                  <a:schemeClr val="tx1"/>
+                </a:solidFill>
+                <a:effectLst/>
+              </a:rPr>
+              <a:t>"/&gt;</a:t>
+            </a:r>
+          </a:p>
+        </p:txBody>
+      </p:sp>
+    </p:spTree>
+    <p:extLst>
+      <p:ext uri="{BB962C8B-B14F-4D97-AF65-F5344CB8AC3E}">
+        <p14:creationId xmlns:p14="http://schemas.microsoft.com/office/powerpoint/2010/main" val="3989861518"/>
+      </p:ext>
+    </p:extLst>
+  </p:cSld>
+  <p:clrMapOvr>
+    <a:masterClrMapping/>
+  </p:clrMapOvr>
+</p:sld>
+</file>
+
+<file path=ppt/slides/slide13.xml><?xml version="1.0" encoding="utf-8"?>
+<p:sld xmlns:a="http://schemas.openxmlformats.org/drawingml/2006/main" xmlns:r="http://schemas.openxmlformats.org/officeDocument/2006/relationships" xmlns:p="http://schemas.openxmlformats.org/presentationml/2006/main">
+  <p:cSld>
+    <p:spTree>
+      <p:nvGrpSpPr>
+        <p:cNvPr id="1" name="Shape 298"/>
+        <p:cNvGrpSpPr/>
+        <p:nvPr/>
+      </p:nvGrpSpPr>
+      <p:grpSpPr>
+        <a:xfrm>
+          <a:off x="0" y="0"/>
+          <a:ext cx="0" cy="0"/>
+          <a:chOff x="0" y="0"/>
+          <a:chExt cx="0" cy="0"/>
+        </a:xfrm>
+      </p:grpSpPr>
+      <p:sp>
+        <p:nvSpPr>
+          <p:cNvPr id="299" name="Google Shape;299;p57"/>
+          <p:cNvSpPr txBox="1">
+            <a:spLocks noGrp="1"/>
+          </p:cNvSpPr>
+          <p:nvPr>
+            <p:ph type="title"/>
+          </p:nvPr>
+        </p:nvSpPr>
+        <p:spPr>
+          <a:xfrm>
+            <a:off x="311700" y="170820"/>
+            <a:ext cx="8520600" cy="572700"/>
+          </a:xfrm>
+          <a:prstGeom prst="rect">
+            <a:avLst/>
+          </a:prstGeom>
+        </p:spPr>
+        <p:txBody>
+          <a:bodyPr spcFirstLastPara="1" wrap="square" lIns="91425" tIns="91425" rIns="91425" bIns="91425" anchor="t" anchorCtr="0">
+            <a:noAutofit/>
+          </a:bodyPr>
+          <a:lstStyle/>
+          <a:p>
+            <a:pPr marL="0" lvl="0" indent="0" algn="l" rtl="0">
+              <a:lnSpc>
+                <a:spcPct val="115000"/>
+              </a:lnSpc>
+              <a:spcBef>
+                <a:spcPts val="0"/>
+              </a:spcBef>
+              <a:spcAft>
+                <a:spcPts val="0"/>
+              </a:spcAft>
+              <a:buNone/>
+            </a:pPr>
+            <a:r>
+              <a:rPr lang="en" dirty="0">
+                <a:solidFill>
+                  <a:srgbClr val="FFFFFF"/>
+                </a:solidFill>
+                <a:latin typeface="Arial"/>
+                <a:ea typeface="Arial"/>
+                <a:cs typeface="Arial"/>
+                <a:sym typeface="Arial"/>
+              </a:rPr>
+              <a:t>Dependencies needed</a:t>
+            </a:r>
+            <a:endParaRPr dirty="0">
+              <a:solidFill>
+                <a:srgbClr val="FFFFFF"/>
+              </a:solidFill>
+            </a:endParaRPr>
+          </a:p>
+        </p:txBody>
+      </p:sp>
+      <p:sp>
+        <p:nvSpPr>
+          <p:cNvPr id="300" name="Google Shape;300;p57"/>
+          <p:cNvSpPr txBox="1">
+            <a:spLocks noGrp="1"/>
+          </p:cNvSpPr>
+          <p:nvPr>
+            <p:ph type="sldNum" idx="12"/>
+          </p:nvPr>
+        </p:nvSpPr>
+        <p:spPr>
+          <a:xfrm>
+            <a:off x="8472458" y="4739417"/>
+            <a:ext cx="548700" cy="393600"/>
+          </a:xfrm>
+          <a:prstGeom prst="rect">
+            <a:avLst/>
+          </a:prstGeom>
+        </p:spPr>
+        <p:txBody>
+          <a:bodyPr spcFirstLastPara="1" wrap="square" lIns="91425" tIns="91425" rIns="91425" bIns="91425" anchor="ctr" anchorCtr="0">
+            <a:noAutofit/>
+          </a:bodyPr>
+          <a:lstStyle/>
+          <a:p>
+            <a:pPr marL="0" lvl="0" indent="0" algn="r" rtl="0">
+              <a:spcBef>
+                <a:spcPts val="0"/>
+              </a:spcBef>
+              <a:spcAft>
+                <a:spcPts val="0"/>
+              </a:spcAft>
+              <a:buNone/>
+            </a:pPr>
+            <a:fld id="{00000000-1234-1234-1234-123412341234}" type="slidenum">
+              <a:rPr lang="en"/>
+              <a:t>13</a:t>
+            </a:fld>
+            <a:endParaRPr/>
+          </a:p>
+        </p:txBody>
+      </p:sp>
+      <p:sp>
+        <p:nvSpPr>
+          <p:cNvPr id="301" name="Google Shape;301;p57"/>
+          <p:cNvSpPr txBox="1">
+            <a:spLocks noGrp="1"/>
+          </p:cNvSpPr>
+          <p:nvPr>
+            <p:ph type="body" idx="1"/>
+          </p:nvPr>
+        </p:nvSpPr>
+        <p:spPr>
+          <a:xfrm>
+            <a:off x="311700" y="1076275"/>
+            <a:ext cx="8520600" cy="3416400"/>
+          </a:xfrm>
+          <a:prstGeom prst="rect">
+            <a:avLst/>
+          </a:prstGeom>
+        </p:spPr>
+        <p:txBody>
+          <a:bodyPr spcFirstLastPara="1" wrap="square" lIns="91425" tIns="91425" rIns="91425" bIns="91425" anchor="t" anchorCtr="0">
+            <a:noAutofit/>
+          </a:bodyPr>
+          <a:lstStyle/>
+          <a:p>
+            <a:pPr marL="76200" indent="0">
+              <a:buNone/>
+            </a:pPr>
+            <a:r>
+              <a:rPr lang="en-PH" dirty="0">
+                <a:solidFill>
+                  <a:schemeClr val="tx1"/>
+                </a:solidFill>
+                <a:effectLst/>
+              </a:rPr>
+              <a:t>implementation 'com.squareup.retrofit2:converter-gson:2.9.0’</a:t>
+            </a:r>
+          </a:p>
+          <a:p>
+            <a:pPr marL="76200" indent="0">
+              <a:buNone/>
+            </a:pPr>
+            <a:br>
+              <a:rPr lang="en-PH" dirty="0">
+                <a:solidFill>
+                  <a:schemeClr val="tx1"/>
+                </a:solidFill>
+                <a:effectLst/>
+              </a:rPr>
+            </a:br>
+            <a:r>
+              <a:rPr lang="en-PH" dirty="0">
+                <a:solidFill>
+                  <a:schemeClr val="tx1"/>
+                </a:solidFill>
+                <a:effectLst/>
+              </a:rPr>
+              <a:t>implementation 'com.squareup.retrofit2:retrofit:2.9.0'</a:t>
+            </a:r>
+          </a:p>
+        </p:txBody>
+      </p:sp>
+    </p:spTree>
+    <p:extLst>
+      <p:ext uri="{BB962C8B-B14F-4D97-AF65-F5344CB8AC3E}">
+        <p14:creationId xmlns:p14="http://schemas.microsoft.com/office/powerpoint/2010/main" val="22757719"/>
+      </p:ext>
+    </p:extLst>
+  </p:cSld>
+  <p:clrMapOvr>
+    <a:masterClrMapping/>
+  </p:clrMapOvr>
+</p:sld>
+</file>
+
+<file path=ppt/slides/slide14.xml><?xml version="1.0" encoding="utf-8"?>
+<p:sld xmlns:a="http://schemas.openxmlformats.org/drawingml/2006/main" xmlns:r="http://schemas.openxmlformats.org/officeDocument/2006/relationships" xmlns:p="http://schemas.openxmlformats.org/presentationml/2006/main">
+  <p:cSld>
+    <p:spTree>
+      <p:nvGrpSpPr>
+        <p:cNvPr id="1" name="Shape 305"/>
+        <p:cNvGrpSpPr/>
+        <p:nvPr/>
+      </p:nvGrpSpPr>
+      <p:grpSpPr>
+        <a:xfrm>
+          <a:off x="0" y="0"/>
+          <a:ext cx="0" cy="0"/>
+          <a:chOff x="0" y="0"/>
+          <a:chExt cx="0" cy="0"/>
+        </a:xfrm>
+      </p:grpSpPr>
+      <p:sp>
+        <p:nvSpPr>
+          <p:cNvPr id="306" name="Google Shape;306;p58"/>
+          <p:cNvSpPr txBox="1">
+            <a:spLocks noGrp="1"/>
+          </p:cNvSpPr>
+          <p:nvPr>
+            <p:ph type="title"/>
+          </p:nvPr>
+        </p:nvSpPr>
+        <p:spPr>
+          <a:xfrm>
+            <a:off x="311700" y="170820"/>
+            <a:ext cx="8520600" cy="572700"/>
+          </a:xfrm>
+          <a:prstGeom prst="rect">
+            <a:avLst/>
+          </a:prstGeom>
+        </p:spPr>
+        <p:txBody>
+          <a:bodyPr spcFirstLastPara="1" wrap="square" lIns="91425" tIns="91425" rIns="91425" bIns="91425" anchor="t" anchorCtr="0">
+            <a:noAutofit/>
+          </a:bodyPr>
+          <a:lstStyle/>
+          <a:p>
+            <a:pPr marL="0" lvl="0" indent="0" algn="l" rtl="0">
+              <a:lnSpc>
+                <a:spcPct val="115000"/>
+              </a:lnSpc>
+              <a:spcBef>
+                <a:spcPts val="0"/>
+              </a:spcBef>
+              <a:spcAft>
+                <a:spcPts val="0"/>
+              </a:spcAft>
+              <a:buNone/>
+            </a:pPr>
+            <a:r>
+              <a:rPr lang="en" dirty="0">
+                <a:solidFill>
+                  <a:srgbClr val="FFFFFF"/>
+                </a:solidFill>
+                <a:latin typeface="Arial"/>
+                <a:ea typeface="Arial"/>
+                <a:cs typeface="Arial"/>
+                <a:sym typeface="Arial"/>
+              </a:rPr>
+              <a:t>References</a:t>
+            </a:r>
+            <a:endParaRPr dirty="0">
+              <a:solidFill>
+                <a:srgbClr val="FFFFFF"/>
+              </a:solidFill>
+            </a:endParaRPr>
+          </a:p>
+        </p:txBody>
+      </p:sp>
+      <p:sp>
+        <p:nvSpPr>
+          <p:cNvPr id="307" name="Google Shape;307;p58"/>
+          <p:cNvSpPr txBox="1">
+            <a:spLocks noGrp="1"/>
+          </p:cNvSpPr>
+          <p:nvPr>
+            <p:ph type="sldNum" idx="12"/>
+          </p:nvPr>
+        </p:nvSpPr>
+        <p:spPr>
+          <a:xfrm>
+            <a:off x="8472458" y="4739417"/>
+            <a:ext cx="548700" cy="393600"/>
+          </a:xfrm>
+          <a:prstGeom prst="rect">
+            <a:avLst/>
+          </a:prstGeom>
+        </p:spPr>
+        <p:txBody>
+          <a:bodyPr spcFirstLastPara="1" wrap="square" lIns="91425" tIns="91425" rIns="91425" bIns="91425" anchor="ctr" anchorCtr="0">
+            <a:noAutofit/>
+          </a:bodyPr>
+          <a:lstStyle/>
+          <a:p>
+            <a:pPr marL="0" lvl="0" indent="0" algn="r" rtl="0">
+              <a:spcBef>
+                <a:spcPts val="0"/>
+              </a:spcBef>
+              <a:spcAft>
+                <a:spcPts val="0"/>
+              </a:spcAft>
+              <a:buNone/>
+            </a:pPr>
+            <a:fld id="{00000000-1234-1234-1234-123412341234}" type="slidenum">
+              <a:rPr lang="en"/>
+              <a:t>14</a:t>
+            </a:fld>
+            <a:endParaRPr/>
+          </a:p>
+        </p:txBody>
+      </p:sp>
+      <p:sp>
+        <p:nvSpPr>
+          <p:cNvPr id="3" name="TextBox 2">
+            <a:extLst>
+              <a:ext uri="{FF2B5EF4-FFF2-40B4-BE49-F238E27FC236}">
+                <a16:creationId xmlns:a16="http://schemas.microsoft.com/office/drawing/2014/main" id="{1C95F3EA-86F8-A0E6-9BA3-257DCB4019FE}"/>
+              </a:ext>
+            </a:extLst>
+          </p:cNvPr>
+          <p:cNvSpPr txBox="1"/>
+          <p:nvPr/>
+        </p:nvSpPr>
+        <p:spPr>
+          <a:xfrm>
+            <a:off x="311700" y="1197833"/>
+            <a:ext cx="7382786" cy="1569660"/>
+          </a:xfrm>
+          <a:prstGeom prst="rect">
+            <a:avLst/>
+          </a:prstGeom>
+          <a:noFill/>
+        </p:spPr>
+        <p:txBody>
+          <a:bodyPr wrap="square">
+            <a:spAutoFit/>
+          </a:bodyPr>
+          <a:lstStyle/>
+          <a:p>
+            <a:r>
+              <a:rPr lang="en-US" sz="2400" dirty="0">
+                <a:latin typeface="Roboto" panose="02000000000000000000" pitchFamily="2" charset="0"/>
+                <a:ea typeface="Roboto" panose="02000000000000000000" pitchFamily="2" charset="0"/>
+                <a:cs typeface="Roboto" panose="02000000000000000000" pitchFamily="2" charset="0"/>
+                <a:hlinkClick r:id="rId3"/>
+              </a:rPr>
+              <a:t>https://square.github.io/retrofit/</a:t>
+            </a:r>
+            <a:endParaRPr lang="en-US" sz="2400" dirty="0">
+              <a:latin typeface="Roboto" panose="02000000000000000000" pitchFamily="2" charset="0"/>
+              <a:ea typeface="Roboto" panose="02000000000000000000" pitchFamily="2" charset="0"/>
+              <a:cs typeface="Roboto" panose="02000000000000000000" pitchFamily="2" charset="0"/>
+            </a:endParaRPr>
+          </a:p>
+          <a:p>
+            <a:endParaRPr lang="en-US" sz="2400" dirty="0">
+              <a:latin typeface="Roboto" panose="02000000000000000000" pitchFamily="2" charset="0"/>
+              <a:ea typeface="Roboto" panose="02000000000000000000" pitchFamily="2" charset="0"/>
+              <a:cs typeface="Roboto" panose="02000000000000000000" pitchFamily="2" charset="0"/>
+            </a:endParaRPr>
+          </a:p>
+          <a:p>
+            <a:r>
+              <a:rPr lang="en-US" sz="2400" dirty="0">
+                <a:latin typeface="Roboto" panose="02000000000000000000" pitchFamily="2" charset="0"/>
+                <a:ea typeface="Roboto" panose="02000000000000000000" pitchFamily="2" charset="0"/>
+                <a:cs typeface="Roboto" panose="02000000000000000000" pitchFamily="2" charset="0"/>
+              </a:rPr>
+              <a:t>https://</a:t>
+            </a:r>
+            <a:r>
+              <a:rPr lang="en-US" sz="2400" dirty="0" err="1">
+                <a:latin typeface="Roboto" panose="02000000000000000000" pitchFamily="2" charset="0"/>
+                <a:ea typeface="Roboto" panose="02000000000000000000" pitchFamily="2" charset="0"/>
+                <a:cs typeface="Roboto" panose="02000000000000000000" pitchFamily="2" charset="0"/>
+              </a:rPr>
+              <a:t>www.mulesoft.com</a:t>
+            </a:r>
+            <a:r>
+              <a:rPr lang="en-US" sz="2400" dirty="0">
+                <a:latin typeface="Roboto" panose="02000000000000000000" pitchFamily="2" charset="0"/>
+                <a:ea typeface="Roboto" panose="02000000000000000000" pitchFamily="2" charset="0"/>
+                <a:cs typeface="Roboto" panose="02000000000000000000" pitchFamily="2" charset="0"/>
+              </a:rPr>
+              <a:t>/resources/</a:t>
+            </a:r>
+            <a:r>
+              <a:rPr lang="en-US" sz="2400" dirty="0" err="1">
+                <a:latin typeface="Roboto" panose="02000000000000000000" pitchFamily="2" charset="0"/>
+                <a:ea typeface="Roboto" panose="02000000000000000000" pitchFamily="2" charset="0"/>
+                <a:cs typeface="Roboto" panose="02000000000000000000" pitchFamily="2" charset="0"/>
+              </a:rPr>
+              <a:t>api</a:t>
+            </a:r>
+            <a:r>
+              <a:rPr lang="en-US" sz="2400" dirty="0">
+                <a:latin typeface="Roboto" panose="02000000000000000000" pitchFamily="2" charset="0"/>
+                <a:ea typeface="Roboto" panose="02000000000000000000" pitchFamily="2" charset="0"/>
+                <a:cs typeface="Roboto" panose="02000000000000000000" pitchFamily="2" charset="0"/>
+              </a:rPr>
+              <a:t>/what-is-an-</a:t>
+            </a:r>
+            <a:r>
+              <a:rPr lang="en-US" sz="2400" dirty="0" err="1">
+                <a:latin typeface="Roboto" panose="02000000000000000000" pitchFamily="2" charset="0"/>
+                <a:ea typeface="Roboto" panose="02000000000000000000" pitchFamily="2" charset="0"/>
+                <a:cs typeface="Roboto" panose="02000000000000000000" pitchFamily="2" charset="0"/>
+              </a:rPr>
+              <a:t>api</a:t>
+            </a:r>
+            <a:endParaRPr lang="en-US" sz="2400" dirty="0">
+              <a:latin typeface="Roboto" panose="02000000000000000000" pitchFamily="2" charset="0"/>
+              <a:ea typeface="Roboto" panose="02000000000000000000" pitchFamily="2" charset="0"/>
+              <a:cs typeface="Roboto" panose="02000000000000000000" pitchFamily="2" charset="0"/>
+            </a:endParaRPr>
+          </a:p>
+        </p:txBody>
+      </p:sp>
+    </p:spTree>
+    <p:extLst>
+      <p:ext uri="{BB962C8B-B14F-4D97-AF65-F5344CB8AC3E}">
+        <p14:creationId xmlns:p14="http://schemas.microsoft.com/office/powerpoint/2010/main" val="2817540574"/>
+      </p:ext>
+    </p:extLst>
+  </p:cSld>
+  <p:clrMapOvr>
+    <a:masterClrMapping/>
+  </p:clrMapOvr>
+</p:sld>
+</file>
+
+<file path=ppt/slides/slide15.xml><?xml version="1.0" encoding="utf-8"?>
+<p:sld xmlns:a="http://schemas.openxmlformats.org/drawingml/2006/main" xmlns:r="http://schemas.openxmlformats.org/officeDocument/2006/relationships" xmlns:p="http://schemas.openxmlformats.org/presentationml/2006/main">
+  <p:cSld>
+    <p:spTree>
+      <p:nvGrpSpPr>
+        <p:cNvPr id="1" name="Shape 658"/>
+        <p:cNvGrpSpPr/>
+        <p:nvPr/>
+      </p:nvGrpSpPr>
+      <p:grpSpPr>
+        <a:xfrm>
+          <a:off x="0" y="0"/>
+          <a:ext cx="0" cy="0"/>
+          <a:chOff x="0" y="0"/>
+          <a:chExt cx="0" cy="0"/>
+        </a:xfrm>
+      </p:grpSpPr>
+      <p:sp>
+        <p:nvSpPr>
+          <p:cNvPr id="659" name="Google Shape;659;p99"/>
+          <p:cNvSpPr txBox="1">
+            <a:spLocks noGrp="1"/>
+          </p:cNvSpPr>
+          <p:nvPr>
+            <p:ph type="title"/>
+          </p:nvPr>
+        </p:nvSpPr>
+        <p:spPr>
+          <a:xfrm>
+            <a:off x="265500" y="1233175"/>
+            <a:ext cx="4045200" cy="1482300"/>
+          </a:xfrm>
+          <a:prstGeom prst="rect">
+            <a:avLst/>
+          </a:prstGeom>
+        </p:spPr>
+        <p:txBody>
+          <a:bodyPr spcFirstLastPara="1" wrap="square" lIns="91425" tIns="91425" rIns="91425" bIns="91425" anchor="b" anchorCtr="0">
+            <a:noAutofit/>
+          </a:bodyPr>
+          <a:lstStyle/>
+          <a:p>
+            <a:pPr marL="0" lvl="0" indent="0" algn="ctr" rtl="0">
+              <a:spcBef>
+                <a:spcPts val="0"/>
+              </a:spcBef>
+              <a:spcAft>
+                <a:spcPts val="0"/>
+              </a:spcAft>
+              <a:buNone/>
+            </a:pPr>
+            <a:r>
+              <a:rPr lang="en"/>
+              <a:t>END</a:t>
+            </a:r>
+            <a:endParaRPr/>
+          </a:p>
+        </p:txBody>
+      </p:sp>
+      <p:sp>
+        <p:nvSpPr>
+          <p:cNvPr id="661" name="Google Shape;661;p99"/>
+          <p:cNvSpPr txBox="1">
+            <a:spLocks noGrp="1"/>
+          </p:cNvSpPr>
+          <p:nvPr>
+            <p:ph type="sldNum" idx="12"/>
+          </p:nvPr>
+        </p:nvSpPr>
+        <p:spPr>
+          <a:xfrm>
+            <a:off x="8472458" y="4739417"/>
+            <a:ext cx="548700" cy="393600"/>
+          </a:xfrm>
+          <a:prstGeom prst="rect">
+            <a:avLst/>
+          </a:prstGeom>
+        </p:spPr>
+        <p:txBody>
+          <a:bodyPr spcFirstLastPara="1" wrap="square" lIns="91425" tIns="91425" rIns="91425" bIns="91425" anchor="ctr" anchorCtr="0">
+            <a:noAutofit/>
+          </a:bodyPr>
+          <a:lstStyle/>
+          <a:p>
+            <a:pPr marL="0" lvl="0" indent="0" algn="r" rtl="0">
+              <a:spcBef>
+                <a:spcPts val="0"/>
+              </a:spcBef>
+              <a:spcAft>
+                <a:spcPts val="0"/>
+              </a:spcAft>
+              <a:buNone/>
+            </a:pPr>
+            <a:fld id="{00000000-1234-1234-1234-123412341234}" type="slidenum">
+              <a:rPr lang="en"/>
+              <a:t>15</a:t>
+            </a:fld>
+            <a:endParaRPr/>
           </a:p>
         </p:txBody>
       </p:sp>
@@ -13884,7 +15765,7 @@
             </a:pPr>
             <a:r>
               <a:rPr lang="en" dirty="0"/>
-              <a:t>What is an Retrofit?</a:t>
+              <a:t>What is an API?</a:t>
             </a:r>
           </a:p>
           <a:p>
@@ -13907,16 +15788,156 @@
             </a:pPr>
             <a:r>
               <a:rPr lang="en" dirty="0"/>
-              <a:t>What is an API C</a:t>
+              <a:t>What is Retrofit?</a:t>
             </a:r>
-            <a:r>
-              <a:rPr lang="en-PH" dirty="0"/>
-              <a:t>a</a:t>
-            </a:r>
+          </a:p>
+          <a:p>
+            <a:pPr marL="457200" marR="0" lvl="0" indent="-381000" algn="l" rtl="0">
+              <a:lnSpc>
+                <a:spcPct val="115000"/>
+              </a:lnSpc>
+              <a:spcBef>
+                <a:spcPts val="1000"/>
+              </a:spcBef>
+              <a:spcAft>
+                <a:spcPts val="0"/>
+              </a:spcAft>
+              <a:buClr>
+                <a:srgbClr val="424242"/>
+              </a:buClr>
+              <a:buSzPts val="2400"/>
+              <a:buFont typeface="Roboto"/>
+              <a:buChar char="●"/>
+            </a:pPr>
             <a:r>
               <a:rPr lang="en" dirty="0"/>
-              <a:t>ll?</a:t>
+              <a:t>Client and Server</a:t>
             </a:r>
+          </a:p>
+          <a:p>
+            <a:pPr marL="457200" marR="0" lvl="0" indent="-381000" algn="l" rtl="0">
+              <a:lnSpc>
+                <a:spcPct val="115000"/>
+              </a:lnSpc>
+              <a:spcBef>
+                <a:spcPts val="1000"/>
+              </a:spcBef>
+              <a:spcAft>
+                <a:spcPts val="0"/>
+              </a:spcAft>
+              <a:buClr>
+                <a:srgbClr val="424242"/>
+              </a:buClr>
+              <a:buSzPts val="2400"/>
+              <a:buFont typeface="Roboto"/>
+              <a:buChar char="●"/>
+            </a:pPr>
+            <a:r>
+              <a:rPr lang="en" dirty="0"/>
+              <a:t>Permissions needed</a:t>
+            </a:r>
+          </a:p>
+          <a:p>
+            <a:pPr marL="457200" marR="0" lvl="0" indent="-381000" algn="l" rtl="0">
+              <a:lnSpc>
+                <a:spcPct val="115000"/>
+              </a:lnSpc>
+              <a:spcBef>
+                <a:spcPts val="1000"/>
+              </a:spcBef>
+              <a:spcAft>
+                <a:spcPts val="0"/>
+              </a:spcAft>
+              <a:buClr>
+                <a:srgbClr val="424242"/>
+              </a:buClr>
+              <a:buSzPts val="2400"/>
+              <a:buFont typeface="Roboto"/>
+              <a:buChar char="●"/>
+            </a:pPr>
+            <a:r>
+              <a:rPr lang="en" dirty="0"/>
+              <a:t>Dependencies needed</a:t>
+            </a:r>
+          </a:p>
+          <a:p>
+            <a:pPr marL="76200" marR="0" lvl="0" indent="0" algn="l" rtl="0">
+              <a:lnSpc>
+                <a:spcPct val="115000"/>
+              </a:lnSpc>
+              <a:spcBef>
+                <a:spcPts val="1000"/>
+              </a:spcBef>
+              <a:spcAft>
+                <a:spcPts val="0"/>
+              </a:spcAft>
+              <a:buClr>
+                <a:srgbClr val="424242"/>
+              </a:buClr>
+              <a:buSzPts val="2400"/>
+              <a:buNone/>
+            </a:pPr>
+            <a:endParaRPr lang="en" dirty="0"/>
+          </a:p>
+          <a:p>
+            <a:pPr marL="457200" marR="0" lvl="0" indent="-381000" algn="l" rtl="0">
+              <a:lnSpc>
+                <a:spcPct val="115000"/>
+              </a:lnSpc>
+              <a:spcBef>
+                <a:spcPts val="1000"/>
+              </a:spcBef>
+              <a:spcAft>
+                <a:spcPts val="0"/>
+              </a:spcAft>
+              <a:buClr>
+                <a:srgbClr val="424242"/>
+              </a:buClr>
+              <a:buSzPts val="2400"/>
+              <a:buFont typeface="Roboto"/>
+              <a:buChar char="●"/>
+            </a:pPr>
+            <a:endParaRPr lang="en" dirty="0"/>
+          </a:p>
+          <a:p>
+            <a:pPr marL="457200" marR="0" lvl="0" indent="-381000" algn="l" rtl="0">
+              <a:lnSpc>
+                <a:spcPct val="115000"/>
+              </a:lnSpc>
+              <a:spcBef>
+                <a:spcPts val="1000"/>
+              </a:spcBef>
+              <a:spcAft>
+                <a:spcPts val="0"/>
+              </a:spcAft>
+              <a:buClr>
+                <a:srgbClr val="424242"/>
+              </a:buClr>
+              <a:buSzPts val="2400"/>
+              <a:buFont typeface="Roboto"/>
+              <a:buChar char="●"/>
+            </a:pPr>
+            <a:endParaRPr lang="en" dirty="0"/>
+          </a:p>
+          <a:p>
+            <a:pPr marL="457200" marR="0" lvl="0" indent="-381000" algn="l" rtl="0">
+              <a:lnSpc>
+                <a:spcPct val="115000"/>
+              </a:lnSpc>
+              <a:spcBef>
+                <a:spcPts val="1000"/>
+              </a:spcBef>
+              <a:spcAft>
+                <a:spcPts val="0"/>
+              </a:spcAft>
+              <a:buClr>
+                <a:srgbClr val="424242"/>
+              </a:buClr>
+              <a:buSzPts val="2400"/>
+              <a:buFont typeface="Roboto"/>
+              <a:buChar char="●"/>
+            </a:pPr>
+            <a:endParaRPr lang="en" dirty="0"/>
           </a:p>
           <a:p>
             <a:pPr marL="457200" marR="0" lvl="0" indent="-381000" algn="l" rtl="0">
@@ -14121,7 +16142,7 @@
                 <a:cs typeface="Arial"/>
                 <a:sym typeface="Arial"/>
               </a:rPr>
-              <a:t>What is an Android Manifest File?</a:t>
+              <a:t>What is an API?</a:t>
             </a:r>
             <a:endParaRPr dirty="0">
               <a:solidFill>
@@ -14209,26 +16230,34 @@
               <a:buChar char="●"/>
             </a:pPr>
             <a:r>
-              <a:rPr lang="en-US" dirty="0"/>
-              <a:t>In the world of Android app development, making network requests to fetch data from APIs is a common task.</a:t>
+              <a:rPr lang="en-PH" b="0" i="0" u="none" strike="noStrike" dirty="0">
+                <a:solidFill>
+                  <a:srgbClr val="181818"/>
+                </a:solidFill>
+                <a:effectLst/>
+                <a:latin typeface="Consolas" panose="020B0609020204030204" pitchFamily="49" charset="0"/>
+                <a:ea typeface="Roboto" panose="02000000000000000000" pitchFamily="2" charset="0"/>
+                <a:cs typeface="Consolas" panose="020B0609020204030204" pitchFamily="49" charset="0"/>
+              </a:rPr>
+              <a:t>API</a:t>
             </a:r>
-          </a:p>
-          <a:p>
-            <a:pPr marL="457200" lvl="0" indent="-381000" algn="l" rtl="0">
-              <a:spcBef>
-                <a:spcPts val="1000"/>
-              </a:spcBef>
-              <a:spcAft>
-                <a:spcPts val="0"/>
-              </a:spcAft>
-              <a:buSzPts val="2400"/>
-              <a:buChar char="●"/>
-            </a:pPr>
             <a:r>
-              <a:rPr lang="en-US" dirty="0"/>
-              <a:t>Retrofit is a powerful and popular library that simplifies this process by providing a clean and efficient way to make API calls.</a:t>
+              <a:rPr lang="en-PH" b="0" i="0" u="none" strike="noStrike" dirty="0">
+                <a:solidFill>
+                  <a:srgbClr val="181818"/>
+                </a:solidFill>
+                <a:effectLst/>
+                <a:latin typeface="Roboto" panose="02000000000000000000" pitchFamily="2" charset="0"/>
+                <a:ea typeface="Roboto" panose="02000000000000000000" pitchFamily="2" charset="0"/>
+                <a:cs typeface="Roboto" panose="02000000000000000000" pitchFamily="2" charset="0"/>
+              </a:rPr>
+              <a:t> is the acronym for application programming interface, a software intermediary that allows two applications to talk to each other. APIs are an accessible way to extract and share data within and across organizations.</a:t>
             </a:r>
-            <a:endParaRPr dirty="0"/>
+            <a:endParaRPr dirty="0">
+              <a:latin typeface="Roboto" panose="02000000000000000000" pitchFamily="2" charset="0"/>
+              <a:ea typeface="Roboto" panose="02000000000000000000" pitchFamily="2" charset="0"/>
+              <a:cs typeface="Roboto" panose="02000000000000000000" pitchFamily="2" charset="0"/>
+            </a:endParaRPr>
           </a:p>
         </p:txBody>
       </p:sp>
@@ -14245,7 +16274,7 @@
   <p:cSld>
     <p:spTree>
       <p:nvGrpSpPr>
-        <p:cNvPr id="1" name="Shape 305"/>
+        <p:cNvPr id="1" name="Shape 298"/>
         <p:cNvGrpSpPr/>
         <p:nvPr/>
       </p:nvGrpSpPr>
@@ -14259,7 +16288,7 @@
       </p:grpSpPr>
       <p:sp>
         <p:nvSpPr>
-          <p:cNvPr id="306" name="Google Shape;306;p58"/>
+          <p:cNvPr id="299" name="Google Shape;299;p57"/>
           <p:cNvSpPr txBox="1">
             <a:spLocks noGrp="1"/>
           </p:cNvSpPr>
@@ -14304,7 +16333,7 @@
                 <a:cs typeface="Arial"/>
                 <a:sym typeface="Arial"/>
               </a:rPr>
-              <a:t>What is an Android Manifest File?</a:t>
+              <a:t>What is an API?</a:t>
             </a:r>
             <a:endParaRPr dirty="0">
               <a:solidFill>
@@ -14316,7 +16345,7 @@
       </p:sp>
       <p:sp>
         <p:nvSpPr>
-          <p:cNvPr id="307" name="Google Shape;307;p58"/>
+          <p:cNvPr id="300" name="Google Shape;300;p57"/>
           <p:cNvSpPr txBox="1">
             <a:spLocks noGrp="1"/>
           </p:cNvSpPr>
@@ -14356,50 +16385,42 @@
           </a:p>
         </p:txBody>
       </p:sp>
-      <p:sp>
-        <p:nvSpPr>
-          <p:cNvPr id="308" name="Google Shape;308;p58"/>
-          <p:cNvSpPr txBox="1">
-            <a:spLocks noGrp="1"/>
-          </p:cNvSpPr>
-          <p:nvPr>
-            <p:ph type="body" idx="1"/>
-          </p:nvPr>
-        </p:nvSpPr>
+      <p:pic>
+        <p:nvPicPr>
+          <p:cNvPr id="9" name="Picture 8" descr="A diagram of a bee&#10;&#10;Description automatically generated">
+            <a:extLst>
+              <a:ext uri="{FF2B5EF4-FFF2-40B4-BE49-F238E27FC236}">
+                <a16:creationId xmlns:a16="http://schemas.microsoft.com/office/drawing/2014/main" id="{9D0DBE7F-F4F4-5A17-DB13-CC982CC562FC}"/>
+              </a:ext>
+            </a:extLst>
+          </p:cNvPr>
+          <p:cNvPicPr>
+            <a:picLocks noChangeAspect="1"/>
+          </p:cNvPicPr>
+          <p:nvPr/>
+        </p:nvPicPr>
+        <p:blipFill>
+          <a:blip r:embed="rId3"/>
+          <a:stretch>
+            <a:fillRect/>
+          </a:stretch>
+        </p:blipFill>
         <p:spPr>
           <a:xfrm>
-            <a:off x="311700" y="1076275"/>
-            <a:ext cx="8520600" cy="3416400"/>
+            <a:off x="1" y="-50855"/>
+            <a:ext cx="9144000" cy="5194356"/>
           </a:xfrm>
           <a:prstGeom prst="rect">
             <a:avLst/>
           </a:prstGeom>
         </p:spPr>
-        <p:txBody>
-          <a:bodyPr spcFirstLastPara="1" wrap="square" lIns="91425" tIns="91425" rIns="91425" bIns="91425" anchor="t" anchorCtr="0">
-            <a:noAutofit/>
-          </a:bodyPr>
-          <a:lstStyle/>
-          <a:p>
-            <a:pPr marL="457200" lvl="0" indent="-381000" algn="l" rtl="0">
-              <a:spcBef>
-                <a:spcPts val="1000"/>
-              </a:spcBef>
-              <a:spcAft>
-                <a:spcPts val="0"/>
-              </a:spcAft>
-              <a:buSzPts val="2400"/>
-              <a:buChar char="●"/>
-            </a:pPr>
-            <a:r>
-              <a:rPr lang="en-US" dirty="0"/>
-              <a:t>Retrofit is a type-safe HTTP client for Android and Java developed by Square.</a:t>
-            </a:r>
-            <a:endParaRPr dirty="0"/>
-          </a:p>
-        </p:txBody>
-      </p:sp>
+      </p:pic>
     </p:spTree>
+    <p:extLst>
+      <p:ext uri="{BB962C8B-B14F-4D97-AF65-F5344CB8AC3E}">
+        <p14:creationId xmlns:p14="http://schemas.microsoft.com/office/powerpoint/2010/main" val="1191096200"/>
+      </p:ext>
+    </p:extLst>
   </p:cSld>
   <p:clrMapOvr>
     <a:masterClrMapping/>
@@ -14412,7 +16433,7 @@
   <p:cSld>
     <p:spTree>
       <p:nvGrpSpPr>
-        <p:cNvPr id="1" name="Shape 305"/>
+        <p:cNvPr id="1" name="Shape 298"/>
         <p:cNvGrpSpPr/>
         <p:nvPr/>
       </p:nvGrpSpPr>
@@ -14426,7 +16447,7 @@
       </p:grpSpPr>
       <p:sp>
         <p:nvSpPr>
-          <p:cNvPr id="306" name="Google Shape;306;p58"/>
+          <p:cNvPr id="299" name="Google Shape;299;p57"/>
           <p:cNvSpPr txBox="1">
             <a:spLocks noGrp="1"/>
           </p:cNvSpPr>
@@ -14471,7 +16492,7 @@
                 <a:cs typeface="Arial"/>
                 <a:sym typeface="Arial"/>
               </a:rPr>
-              <a:t>What is an Android Manifest File?</a:t>
+              <a:t>What is an API?</a:t>
             </a:r>
             <a:endParaRPr dirty="0">
               <a:solidFill>
@@ -14483,7 +16504,7 @@
       </p:sp>
       <p:sp>
         <p:nvSpPr>
-          <p:cNvPr id="307" name="Google Shape;307;p58"/>
+          <p:cNvPr id="300" name="Google Shape;300;p57"/>
           <p:cNvSpPr txBox="1">
             <a:spLocks noGrp="1"/>
           </p:cNvSpPr>
@@ -14523,40 +16544,89 @@
           </a:p>
         </p:txBody>
       </p:sp>
-      <p:pic>
-        <p:nvPicPr>
-          <p:cNvPr id="4" name="Picture 3" descr="A diagram of a software application&#10;&#10;Description automatically generated">
-            <a:extLst>
-              <a:ext uri="{FF2B5EF4-FFF2-40B4-BE49-F238E27FC236}">
-                <a16:creationId xmlns:a16="http://schemas.microsoft.com/office/drawing/2014/main" id="{385D21B0-9C02-61A0-357E-7EF2631A302F}"/>
-              </a:ext>
-            </a:extLst>
-          </p:cNvPr>
-          <p:cNvPicPr>
-            <a:picLocks noChangeAspect="1"/>
-          </p:cNvPicPr>
-          <p:nvPr/>
-        </p:nvPicPr>
-        <p:blipFill>
-          <a:blip r:embed="rId3"/>
-          <a:stretch>
-            <a:fillRect/>
-          </a:stretch>
-        </p:blipFill>
+      <p:sp>
+        <p:nvSpPr>
+          <p:cNvPr id="301" name="Google Shape;301;p57"/>
+          <p:cNvSpPr txBox="1">
+            <a:spLocks noGrp="1"/>
+          </p:cNvSpPr>
+          <p:nvPr>
+            <p:ph type="body" idx="1"/>
+          </p:nvPr>
+        </p:nvSpPr>
         <p:spPr>
           <a:xfrm>
-            <a:off x="1877698" y="1066879"/>
-            <a:ext cx="5282731" cy="3905801"/>
+            <a:off x="311700" y="1076275"/>
+            <a:ext cx="8520600" cy="3416400"/>
           </a:xfrm>
           <a:prstGeom prst="rect">
             <a:avLst/>
           </a:prstGeom>
         </p:spPr>
-      </p:pic>
+        <p:txBody>
+          <a:bodyPr spcFirstLastPara="1" wrap="square" lIns="91425" tIns="91425" rIns="91425" bIns="91425" anchor="t" anchorCtr="0">
+            <a:noAutofit/>
+          </a:bodyPr>
+          <a:lstStyle/>
+          <a:p>
+            <a:pPr marL="457200" lvl="0" indent="-381000" algn="l" rtl="0">
+              <a:spcBef>
+                <a:spcPts val="1000"/>
+              </a:spcBef>
+              <a:spcAft>
+                <a:spcPts val="0"/>
+              </a:spcAft>
+              <a:buSzPts val="2400"/>
+              <a:buChar char="●"/>
+            </a:pPr>
+            <a:r>
+              <a:rPr lang="en-PH" b="0" i="0" u="none" strike="noStrike" dirty="0">
+                <a:solidFill>
+                  <a:srgbClr val="181818"/>
+                </a:solidFill>
+                <a:effectLst/>
+                <a:latin typeface="Roboto" panose="02000000000000000000" pitchFamily="2" charset="0"/>
+                <a:ea typeface="Roboto" panose="02000000000000000000" pitchFamily="2" charset="0"/>
+                <a:cs typeface="Roboto" panose="02000000000000000000" pitchFamily="2" charset="0"/>
+              </a:rPr>
+              <a:t>APIs are all around us.</a:t>
+            </a:r>
+          </a:p>
+          <a:p>
+            <a:pPr marL="457200" lvl="0" indent="-381000" algn="l" rtl="0">
+              <a:spcBef>
+                <a:spcPts val="1000"/>
+              </a:spcBef>
+              <a:spcAft>
+                <a:spcPts val="0"/>
+              </a:spcAft>
+              <a:buSzPts val="2400"/>
+              <a:buChar char="●"/>
+            </a:pPr>
+            <a:r>
+              <a:rPr lang="en-PH" b="0" i="0" u="none" strike="noStrike" dirty="0">
+                <a:solidFill>
+                  <a:srgbClr val="181818"/>
+                </a:solidFill>
+                <a:effectLst/>
+                <a:latin typeface="Roboto" panose="02000000000000000000" pitchFamily="2" charset="0"/>
+                <a:ea typeface="Roboto" panose="02000000000000000000" pitchFamily="2" charset="0"/>
+                <a:cs typeface="Roboto" panose="02000000000000000000" pitchFamily="2" charset="0"/>
+              </a:rPr>
+              <a:t>Every time you use a rideshare app, send a mobile payment, or change the thermostat temperature from your phone, you’re using an API.</a:t>
+            </a:r>
+            <a:endParaRPr dirty="0">
+              <a:latin typeface="Roboto" panose="02000000000000000000" pitchFamily="2" charset="0"/>
+              <a:ea typeface="Roboto" panose="02000000000000000000" pitchFamily="2" charset="0"/>
+              <a:cs typeface="Roboto" panose="02000000000000000000" pitchFamily="2" charset="0"/>
+            </a:endParaRPr>
+          </a:p>
+        </p:txBody>
+      </p:sp>
     </p:spTree>
     <p:extLst>
       <p:ext uri="{BB962C8B-B14F-4D97-AF65-F5344CB8AC3E}">
-        <p14:creationId xmlns:p14="http://schemas.microsoft.com/office/powerpoint/2010/main" val="2342576204"/>
+        <p14:creationId xmlns:p14="http://schemas.microsoft.com/office/powerpoint/2010/main" val="272435054"/>
       </p:ext>
     </p:extLst>
   </p:cSld>
@@ -14571,7 +16641,7 @@
   <p:cSld>
     <p:spTree>
       <p:nvGrpSpPr>
-        <p:cNvPr id="1" name="Shape 658"/>
+        <p:cNvPr id="1" name="Shape 298"/>
         <p:cNvGrpSpPr/>
         <p:nvPr/>
       </p:nvGrpSpPr>
@@ -14585,7 +16655,7 @@
       </p:grpSpPr>
       <p:sp>
         <p:nvSpPr>
-          <p:cNvPr id="659" name="Google Shape;659;p99"/>
+          <p:cNvPr id="299" name="Google Shape;299;p57"/>
           <p:cNvSpPr txBox="1">
             <a:spLocks noGrp="1"/>
           </p:cNvSpPr>
@@ -14595,20 +16665,23 @@
         </p:nvSpPr>
         <p:spPr>
           <a:xfrm>
-            <a:off x="265500" y="1233175"/>
-            <a:ext cx="4045200" cy="1482300"/>
+            <a:off x="311700" y="170820"/>
+            <a:ext cx="8520600" cy="572700"/>
           </a:xfrm>
           <a:prstGeom prst="rect">
             <a:avLst/>
           </a:prstGeom>
         </p:spPr>
         <p:txBody>
-          <a:bodyPr spcFirstLastPara="1" wrap="square" lIns="91425" tIns="91425" rIns="91425" bIns="91425" anchor="b" anchorCtr="0">
+          <a:bodyPr spcFirstLastPara="1" wrap="square" lIns="91425" tIns="91425" rIns="91425" bIns="91425" anchor="t" anchorCtr="0">
             <a:noAutofit/>
           </a:bodyPr>
           <a:lstStyle/>
           <a:p>
-            <a:pPr marL="0" lvl="0" indent="0" algn="ctr" rtl="0">
+            <a:pPr marL="0" lvl="0" indent="0" algn="l" rtl="0">
+              <a:lnSpc>
+                <a:spcPct val="115000"/>
+              </a:lnSpc>
               <a:spcBef>
                 <a:spcPts val="0"/>
               </a:spcBef>
@@ -14618,16 +16691,28 @@
               <a:buNone/>
             </a:pPr>
             <a:r>
-              <a:rPr lang="en"/>
-              <a:t>END</a:t>
+              <a:rPr lang="en" dirty="0">
+                <a:solidFill>
+                  <a:srgbClr val="FFFFFF"/>
+                </a:solidFill>
+                <a:latin typeface="Arial"/>
+                <a:ea typeface="Arial"/>
+                <a:cs typeface="Arial"/>
+                <a:sym typeface="Arial"/>
+              </a:rPr>
+              <a:t>What is an API?</a:t>
             </a:r>
-            <a:endParaRPr/>
+            <a:endParaRPr dirty="0">
+              <a:solidFill>
+                <a:srgbClr val="FFFFFF"/>
+              </a:solidFill>
+            </a:endParaRPr>
           </a:p>
         </p:txBody>
       </p:sp>
       <p:sp>
         <p:nvSpPr>
-          <p:cNvPr id="661" name="Google Shape;661;p99"/>
+          <p:cNvPr id="300" name="Google Shape;300;p57"/>
           <p:cNvSpPr txBox="1">
             <a:spLocks noGrp="1"/>
           </p:cNvSpPr>
@@ -14667,7 +16752,333 @@
           </a:p>
         </p:txBody>
       </p:sp>
+      <p:sp>
+        <p:nvSpPr>
+          <p:cNvPr id="301" name="Google Shape;301;p57"/>
+          <p:cNvSpPr txBox="1">
+            <a:spLocks noGrp="1"/>
+          </p:cNvSpPr>
+          <p:nvPr>
+            <p:ph type="body" idx="1"/>
+          </p:nvPr>
+        </p:nvSpPr>
+        <p:spPr>
+          <a:xfrm>
+            <a:off x="311700" y="1076275"/>
+            <a:ext cx="8520600" cy="3416400"/>
+          </a:xfrm>
+          <a:prstGeom prst="rect">
+            <a:avLst/>
+          </a:prstGeom>
+        </p:spPr>
+        <p:txBody>
+          <a:bodyPr spcFirstLastPara="1" wrap="square" lIns="91425" tIns="91425" rIns="91425" bIns="91425" anchor="t" anchorCtr="0">
+            <a:noAutofit/>
+          </a:bodyPr>
+          <a:lstStyle/>
+          <a:p>
+            <a:pPr marL="457200" lvl="0" indent="-381000" algn="l" rtl="0">
+              <a:spcBef>
+                <a:spcPts val="1000"/>
+              </a:spcBef>
+              <a:spcAft>
+                <a:spcPts val="0"/>
+              </a:spcAft>
+              <a:buSzPts val="2400"/>
+              <a:buChar char="●"/>
+            </a:pPr>
+            <a:r>
+              <a:rPr lang="en-PH" b="0" i="0" u="none" strike="noStrike" dirty="0">
+                <a:solidFill>
+                  <a:srgbClr val="181818"/>
+                </a:solidFill>
+                <a:effectLst/>
+                <a:latin typeface="Roboto" panose="02000000000000000000" pitchFamily="2" charset="0"/>
+                <a:ea typeface="Roboto" panose="02000000000000000000" pitchFamily="2" charset="0"/>
+                <a:cs typeface="Roboto" panose="02000000000000000000" pitchFamily="2" charset="0"/>
+              </a:rPr>
+              <a:t>When you use </a:t>
+            </a:r>
+            <a:r>
+              <a:rPr lang="en-PH" dirty="0">
+                <a:solidFill>
+                  <a:srgbClr val="181818"/>
+                </a:solidFill>
+                <a:latin typeface="Roboto" panose="02000000000000000000" pitchFamily="2" charset="0"/>
+                <a:ea typeface="Roboto" panose="02000000000000000000" pitchFamily="2" charset="0"/>
+                <a:cs typeface="Roboto" panose="02000000000000000000" pitchFamily="2" charset="0"/>
+              </a:rPr>
+              <a:t>a mobile </a:t>
+            </a:r>
+            <a:r>
+              <a:rPr lang="en-PH" b="0" i="0" u="none" strike="noStrike" dirty="0">
+                <a:solidFill>
+                  <a:srgbClr val="181818"/>
+                </a:solidFill>
+                <a:effectLst/>
+                <a:latin typeface="Roboto" panose="02000000000000000000" pitchFamily="2" charset="0"/>
+                <a:ea typeface="Roboto" panose="02000000000000000000" pitchFamily="2" charset="0"/>
+                <a:cs typeface="Roboto" panose="02000000000000000000" pitchFamily="2" charset="0"/>
+              </a:rPr>
+              <a:t>app, they connect to the Internet and send data to a server. </a:t>
+            </a:r>
+          </a:p>
+          <a:p>
+            <a:pPr marL="457200" lvl="0" indent="-381000" algn="l" rtl="0">
+              <a:spcBef>
+                <a:spcPts val="1000"/>
+              </a:spcBef>
+              <a:spcAft>
+                <a:spcPts val="0"/>
+              </a:spcAft>
+              <a:buSzPts val="2400"/>
+              <a:buChar char="●"/>
+            </a:pPr>
+            <a:r>
+              <a:rPr lang="en-PH" b="0" i="0" u="none" strike="noStrike" dirty="0">
+                <a:solidFill>
+                  <a:srgbClr val="181818"/>
+                </a:solidFill>
+                <a:effectLst/>
+                <a:latin typeface="Roboto" panose="02000000000000000000" pitchFamily="2" charset="0"/>
+                <a:ea typeface="Roboto" panose="02000000000000000000" pitchFamily="2" charset="0"/>
+                <a:cs typeface="Roboto" panose="02000000000000000000" pitchFamily="2" charset="0"/>
+              </a:rPr>
+              <a:t>The server then retrieves that data, interprets it, performs the necessary actions, and sends it back to your phone. </a:t>
+            </a:r>
+          </a:p>
+          <a:p>
+            <a:pPr marL="457200" lvl="0" indent="-381000" algn="l" rtl="0">
+              <a:spcBef>
+                <a:spcPts val="1000"/>
+              </a:spcBef>
+              <a:spcAft>
+                <a:spcPts val="0"/>
+              </a:spcAft>
+              <a:buSzPts val="2400"/>
+              <a:buChar char="●"/>
+            </a:pPr>
+            <a:r>
+              <a:rPr lang="en-PH" b="0" i="0" u="none" strike="noStrike" dirty="0">
+                <a:solidFill>
+                  <a:srgbClr val="181818"/>
+                </a:solidFill>
+                <a:effectLst/>
+                <a:latin typeface="Roboto" panose="02000000000000000000" pitchFamily="2" charset="0"/>
+                <a:ea typeface="Roboto" panose="02000000000000000000" pitchFamily="2" charset="0"/>
+                <a:cs typeface="Roboto" panose="02000000000000000000" pitchFamily="2" charset="0"/>
+              </a:rPr>
+              <a:t>The application then interprets that data and presents you with the information you wanted in a readable way. </a:t>
+            </a:r>
+            <a:endParaRPr dirty="0">
+              <a:latin typeface="Roboto" panose="02000000000000000000" pitchFamily="2" charset="0"/>
+              <a:ea typeface="Roboto" panose="02000000000000000000" pitchFamily="2" charset="0"/>
+              <a:cs typeface="Roboto" panose="02000000000000000000" pitchFamily="2" charset="0"/>
+            </a:endParaRPr>
+          </a:p>
+        </p:txBody>
+      </p:sp>
     </p:spTree>
+    <p:extLst>
+      <p:ext uri="{BB962C8B-B14F-4D97-AF65-F5344CB8AC3E}">
+        <p14:creationId xmlns:p14="http://schemas.microsoft.com/office/powerpoint/2010/main" val="1460801325"/>
+      </p:ext>
+    </p:extLst>
+  </p:cSld>
+  <p:clrMapOvr>
+    <a:masterClrMapping/>
+  </p:clrMapOvr>
+</p:sld>
+</file>
+
+<file path=ppt/slides/slide9.xml><?xml version="1.0" encoding="utf-8"?>
+<p:sld xmlns:a="http://schemas.openxmlformats.org/drawingml/2006/main" xmlns:r="http://schemas.openxmlformats.org/officeDocument/2006/relationships" xmlns:p="http://schemas.openxmlformats.org/presentationml/2006/main">
+  <p:cSld>
+    <p:spTree>
+      <p:nvGrpSpPr>
+        <p:cNvPr id="1" name="Shape 298"/>
+        <p:cNvGrpSpPr/>
+        <p:nvPr/>
+      </p:nvGrpSpPr>
+      <p:grpSpPr>
+        <a:xfrm>
+          <a:off x="0" y="0"/>
+          <a:ext cx="0" cy="0"/>
+          <a:chOff x="0" y="0"/>
+          <a:chExt cx="0" cy="0"/>
+        </a:xfrm>
+      </p:grpSpPr>
+      <p:sp>
+        <p:nvSpPr>
+          <p:cNvPr id="299" name="Google Shape;299;p57"/>
+          <p:cNvSpPr txBox="1">
+            <a:spLocks noGrp="1"/>
+          </p:cNvSpPr>
+          <p:nvPr>
+            <p:ph type="title"/>
+          </p:nvPr>
+        </p:nvSpPr>
+        <p:spPr>
+          <a:xfrm>
+            <a:off x="311700" y="170820"/>
+            <a:ext cx="8520600" cy="572700"/>
+          </a:xfrm>
+          <a:prstGeom prst="rect">
+            <a:avLst/>
+          </a:prstGeom>
+        </p:spPr>
+        <p:txBody>
+          <a:bodyPr spcFirstLastPara="1" wrap="square" lIns="91425" tIns="91425" rIns="91425" bIns="91425" anchor="t" anchorCtr="0">
+            <a:noAutofit/>
+          </a:bodyPr>
+          <a:lstStyle/>
+          <a:p>
+            <a:pPr marL="0" lvl="0" indent="0" algn="l" rtl="0">
+              <a:lnSpc>
+                <a:spcPct val="115000"/>
+              </a:lnSpc>
+              <a:spcBef>
+                <a:spcPts val="0"/>
+              </a:spcBef>
+              <a:spcAft>
+                <a:spcPts val="0"/>
+              </a:spcAft>
+              <a:buNone/>
+            </a:pPr>
+            <a:r>
+              <a:rPr lang="en" dirty="0">
+                <a:solidFill>
+                  <a:srgbClr val="FFFFFF"/>
+                </a:solidFill>
+                <a:latin typeface="Arial"/>
+                <a:ea typeface="Arial"/>
+                <a:cs typeface="Arial"/>
+                <a:sym typeface="Arial"/>
+              </a:rPr>
+              <a:t>What is Retrofit?</a:t>
+            </a:r>
+            <a:endParaRPr dirty="0">
+              <a:solidFill>
+                <a:srgbClr val="FFFFFF"/>
+              </a:solidFill>
+            </a:endParaRPr>
+          </a:p>
+        </p:txBody>
+      </p:sp>
+      <p:sp>
+        <p:nvSpPr>
+          <p:cNvPr id="300" name="Google Shape;300;p57"/>
+          <p:cNvSpPr txBox="1">
+            <a:spLocks noGrp="1"/>
+          </p:cNvSpPr>
+          <p:nvPr>
+            <p:ph type="sldNum" idx="12"/>
+          </p:nvPr>
+        </p:nvSpPr>
+        <p:spPr>
+          <a:xfrm>
+            <a:off x="8472458" y="4739417"/>
+            <a:ext cx="548700" cy="393600"/>
+          </a:xfrm>
+          <a:prstGeom prst="rect">
+            <a:avLst/>
+          </a:prstGeom>
+        </p:spPr>
+        <p:txBody>
+          <a:bodyPr spcFirstLastPara="1" wrap="square" lIns="91425" tIns="91425" rIns="91425" bIns="91425" anchor="ctr" anchorCtr="0">
+            <a:noAutofit/>
+          </a:bodyPr>
+          <a:lstStyle/>
+          <a:p>
+            <a:pPr marL="0" lvl="0" indent="0" algn="r" rtl="0">
+              <a:spcBef>
+                <a:spcPts val="0"/>
+              </a:spcBef>
+              <a:spcAft>
+                <a:spcPts val="0"/>
+              </a:spcAft>
+              <a:buNone/>
+            </a:pPr>
+            <a:fld id="{00000000-1234-1234-1234-123412341234}" type="slidenum">
+              <a:rPr lang="en"/>
+              <a:t>9</a:t>
+            </a:fld>
+            <a:endParaRPr/>
+          </a:p>
+        </p:txBody>
+      </p:sp>
+      <p:sp>
+        <p:nvSpPr>
+          <p:cNvPr id="301" name="Google Shape;301;p57"/>
+          <p:cNvSpPr txBox="1">
+            <a:spLocks noGrp="1"/>
+          </p:cNvSpPr>
+          <p:nvPr>
+            <p:ph type="body" idx="1"/>
+          </p:nvPr>
+        </p:nvSpPr>
+        <p:spPr>
+          <a:xfrm>
+            <a:off x="311700" y="1076275"/>
+            <a:ext cx="8520600" cy="3416400"/>
+          </a:xfrm>
+          <a:prstGeom prst="rect">
+            <a:avLst/>
+          </a:prstGeom>
+        </p:spPr>
+        <p:txBody>
+          <a:bodyPr spcFirstLastPara="1" wrap="square" lIns="91425" tIns="91425" rIns="91425" bIns="91425" anchor="t" anchorCtr="0">
+            <a:noAutofit/>
+          </a:bodyPr>
+          <a:lstStyle/>
+          <a:p>
+            <a:pPr marL="457200" lvl="0" indent="-381000" algn="l" rtl="0">
+              <a:spcBef>
+                <a:spcPts val="1000"/>
+              </a:spcBef>
+              <a:spcAft>
+                <a:spcPts val="0"/>
+              </a:spcAft>
+              <a:buSzPts val="2400"/>
+              <a:buChar char="●"/>
+            </a:pPr>
+            <a:r>
+              <a:rPr lang="en-US" dirty="0"/>
+              <a:t>In the world of Android app development, making network requests to fetch data from APIs is a common task.</a:t>
+            </a:r>
+          </a:p>
+          <a:p>
+            <a:pPr marL="457200" lvl="0" indent="-381000" algn="l" rtl="0">
+              <a:spcBef>
+                <a:spcPts val="1000"/>
+              </a:spcBef>
+              <a:spcAft>
+                <a:spcPts val="0"/>
+              </a:spcAft>
+              <a:buSzPts val="2400"/>
+              <a:buChar char="●"/>
+            </a:pPr>
+            <a:r>
+              <a:rPr lang="en-US" dirty="0">
+                <a:latin typeface="Consolas" panose="020B0609020204030204" pitchFamily="49" charset="0"/>
+                <a:cs typeface="Consolas" panose="020B0609020204030204" pitchFamily="49" charset="0"/>
+              </a:rPr>
+              <a:t>Retrofit</a:t>
+            </a:r>
+            <a:r>
+              <a:rPr lang="en-US" dirty="0"/>
+              <a:t> is a powerful and popular library that simplifies this process by providing a clean and efficient way to make API calls.</a:t>
+            </a:r>
+            <a:endParaRPr dirty="0"/>
+          </a:p>
+        </p:txBody>
+      </p:sp>
+    </p:spTree>
+    <p:extLst>
+      <p:ext uri="{BB962C8B-B14F-4D97-AF65-F5344CB8AC3E}">
+        <p14:creationId xmlns:p14="http://schemas.microsoft.com/office/powerpoint/2010/main" val="3777450611"/>
+      </p:ext>
+    </p:extLst>
   </p:cSld>
   <p:clrMapOvr>
     <a:masterClrMapping/>
